--- a/drawings.pptx
+++ b/drawings.pptx
@@ -6,6 +6,7 @@
   </p:sldMasterIdLst>
   <p:sldIdLst>
     <p:sldId id="256" r:id="rId2"/>
+    <p:sldId id="257" r:id="rId3"/>
   </p:sldIdLst>
   <p:sldSz cx="12192000" cy="6858000"/>
   <p:notesSz cx="6858000" cy="9144000"/>
@@ -259,7 +260,7 @@
           <a:p>
             <a:fld id="{276A7D51-66C3-4A40-83B7-203F95EC9D51}" type="datetimeFigureOut">
               <a:rPr kumimoji="1" lang="zh-CN" altLang="en-US" smtClean="0"/>
-              <a:t>2019/12/29</a:t>
+              <a:t>2020/1/1</a:t>
             </a:fld>
             <a:endParaRPr kumimoji="1" lang="zh-CN" altLang="en-US"/>
           </a:p>
@@ -432,7 +433,7 @@
           <a:p>
             <a:fld id="{276A7D51-66C3-4A40-83B7-203F95EC9D51}" type="datetimeFigureOut">
               <a:rPr kumimoji="1" lang="zh-CN" altLang="en-US" smtClean="0"/>
-              <a:t>2019/12/29</a:t>
+              <a:t>2020/1/1</a:t>
             </a:fld>
             <a:endParaRPr kumimoji="1" lang="zh-CN" altLang="en-US"/>
           </a:p>
@@ -615,7 +616,7 @@
           <a:p>
             <a:fld id="{276A7D51-66C3-4A40-83B7-203F95EC9D51}" type="datetimeFigureOut">
               <a:rPr kumimoji="1" lang="zh-CN" altLang="en-US" smtClean="0"/>
-              <a:t>2019/12/29</a:t>
+              <a:t>2020/1/1</a:t>
             </a:fld>
             <a:endParaRPr kumimoji="1" lang="zh-CN" altLang="en-US"/>
           </a:p>
@@ -788,7 +789,7 @@
           <a:p>
             <a:fld id="{276A7D51-66C3-4A40-83B7-203F95EC9D51}" type="datetimeFigureOut">
               <a:rPr kumimoji="1" lang="zh-CN" altLang="en-US" smtClean="0"/>
-              <a:t>2019/12/29</a:t>
+              <a:t>2020/1/1</a:t>
             </a:fld>
             <a:endParaRPr kumimoji="1" lang="zh-CN" altLang="en-US"/>
           </a:p>
@@ -1066,7 +1067,7 @@
           <a:p>
             <a:fld id="{276A7D51-66C3-4A40-83B7-203F95EC9D51}" type="datetimeFigureOut">
               <a:rPr kumimoji="1" lang="zh-CN" altLang="en-US" smtClean="0"/>
-              <a:t>2019/12/29</a:t>
+              <a:t>2020/1/1</a:t>
             </a:fld>
             <a:endParaRPr kumimoji="1" lang="zh-CN" altLang="en-US"/>
           </a:p>
@@ -1281,7 +1282,7 @@
           <a:p>
             <a:fld id="{276A7D51-66C3-4A40-83B7-203F95EC9D51}" type="datetimeFigureOut">
               <a:rPr kumimoji="1" lang="zh-CN" altLang="en-US" smtClean="0"/>
-              <a:t>2019/12/29</a:t>
+              <a:t>2020/1/1</a:t>
             </a:fld>
             <a:endParaRPr kumimoji="1" lang="zh-CN" altLang="en-US"/>
           </a:p>
@@ -1649,7 +1650,7 @@
           <a:p>
             <a:fld id="{276A7D51-66C3-4A40-83B7-203F95EC9D51}" type="datetimeFigureOut">
               <a:rPr kumimoji="1" lang="zh-CN" altLang="en-US" smtClean="0"/>
-              <a:t>2019/12/29</a:t>
+              <a:t>2020/1/1</a:t>
             </a:fld>
             <a:endParaRPr kumimoji="1" lang="zh-CN" altLang="en-US"/>
           </a:p>
@@ -1790,7 +1791,7 @@
           <a:p>
             <a:fld id="{276A7D51-66C3-4A40-83B7-203F95EC9D51}" type="datetimeFigureOut">
               <a:rPr kumimoji="1" lang="zh-CN" altLang="en-US" smtClean="0"/>
-              <a:t>2019/12/29</a:t>
+              <a:t>2020/1/1</a:t>
             </a:fld>
             <a:endParaRPr kumimoji="1" lang="zh-CN" altLang="en-US"/>
           </a:p>
@@ -1903,7 +1904,7 @@
           <a:p>
             <a:fld id="{276A7D51-66C3-4A40-83B7-203F95EC9D51}" type="datetimeFigureOut">
               <a:rPr kumimoji="1" lang="zh-CN" altLang="en-US" smtClean="0"/>
-              <a:t>2019/12/29</a:t>
+              <a:t>2020/1/1</a:t>
             </a:fld>
             <a:endParaRPr kumimoji="1" lang="zh-CN" altLang="en-US"/>
           </a:p>
@@ -2192,7 +2193,7 @@
           <a:p>
             <a:fld id="{276A7D51-66C3-4A40-83B7-203F95EC9D51}" type="datetimeFigureOut">
               <a:rPr kumimoji="1" lang="zh-CN" altLang="en-US" smtClean="0"/>
-              <a:t>2019/12/29</a:t>
+              <a:t>2020/1/1</a:t>
             </a:fld>
             <a:endParaRPr kumimoji="1" lang="zh-CN" altLang="en-US"/>
           </a:p>
@@ -2483,7 +2484,7 @@
           <a:p>
             <a:fld id="{276A7D51-66C3-4A40-83B7-203F95EC9D51}" type="datetimeFigureOut">
               <a:rPr kumimoji="1" lang="zh-CN" altLang="en-US" smtClean="0"/>
-              <a:t>2019/12/29</a:t>
+              <a:t>2020/1/1</a:t>
             </a:fld>
             <a:endParaRPr kumimoji="1" lang="zh-CN" altLang="en-US"/>
           </a:p>
@@ -2699,7 +2700,7 @@
           <a:p>
             <a:fld id="{276A7D51-66C3-4A40-83B7-203F95EC9D51}" type="datetimeFigureOut">
               <a:rPr kumimoji="1" lang="zh-CN" altLang="en-US" smtClean="0"/>
-              <a:t>2019/12/29</a:t>
+              <a:t>2020/1/1</a:t>
             </a:fld>
             <a:endParaRPr kumimoji="1" lang="zh-CN" altLang="en-US"/>
           </a:p>
@@ -3308,7 +3309,7 @@
         </p:nvCxnSpPr>
         <p:spPr>
           <a:xfrm>
-            <a:off x="6466933" y="2549026"/>
+            <a:off x="6477443" y="2549026"/>
             <a:ext cx="0" cy="418757"/>
           </a:xfrm>
           <a:prstGeom prst="line">
@@ -3771,10 +3772,10 @@
       </p:sp>
       <p:cxnSp>
         <p:nvCxnSpPr>
-          <p:cNvPr id="30" name="直线连接符 29">
-            <a:extLst>
-              <a:ext uri="{FF2B5EF4-FFF2-40B4-BE49-F238E27FC236}">
-                <a16:creationId xmlns:a16="http://schemas.microsoft.com/office/drawing/2014/main" id="{723CDD90-5F99-E74E-8270-3A2AF60752D2}"/>
+          <p:cNvPr id="63" name="直线连接符 62">
+            <a:extLst>
+              <a:ext uri="{FF2B5EF4-FFF2-40B4-BE49-F238E27FC236}">
+                <a16:creationId xmlns:a16="http://schemas.microsoft.com/office/drawing/2014/main" id="{B2F91266-7D27-5246-8F24-B867DE08DD54}"/>
               </a:ext>
             </a:extLst>
           </p:cNvPr>
@@ -3785,7 +3786,78 @@
         </p:nvCxnSpPr>
         <p:spPr>
           <a:xfrm>
-            <a:off x="1404993" y="5400399"/>
+            <a:off x="1115433" y="1817855"/>
+            <a:ext cx="6120744" cy="0"/>
+          </a:xfrm>
+          <a:prstGeom prst="line">
+            <a:avLst/>
+          </a:prstGeom>
+          <a:ln>
+            <a:prstDash val="dash"/>
+          </a:ln>
+        </p:spPr>
+        <p:style>
+          <a:lnRef idx="1">
+            <a:schemeClr val="accent1"/>
+          </a:lnRef>
+          <a:fillRef idx="0">
+            <a:schemeClr val="accent1"/>
+          </a:fillRef>
+          <a:effectRef idx="0">
+            <a:schemeClr val="accent1"/>
+          </a:effectRef>
+          <a:fontRef idx="minor">
+            <a:schemeClr val="tx1"/>
+          </a:fontRef>
+        </p:style>
+      </p:cxnSp>
+    </p:spTree>
+    <p:extLst>
+      <p:ext uri="{BB962C8B-B14F-4D97-AF65-F5344CB8AC3E}">
+        <p14:creationId xmlns:p14="http://schemas.microsoft.com/office/powerpoint/2010/main" val="796645485"/>
+      </p:ext>
+    </p:extLst>
+  </p:cSld>
+  <p:clrMapOvr>
+    <a:masterClrMapping/>
+  </p:clrMapOvr>
+</p:sld>
+</file>
+
+<file path=ppt/slides/slide2.xml><?xml version="1.0" encoding="utf-8"?>
+<p:sld xmlns:a="http://schemas.openxmlformats.org/drawingml/2006/main" xmlns:r="http://schemas.openxmlformats.org/officeDocument/2006/relationships" xmlns:p="http://schemas.openxmlformats.org/presentationml/2006/main">
+  <p:cSld>
+    <p:spTree>
+      <p:nvGrpSpPr>
+        <p:cNvPr id="1" name=""/>
+        <p:cNvGrpSpPr/>
+        <p:nvPr/>
+      </p:nvGrpSpPr>
+      <p:grpSpPr>
+        <a:xfrm>
+          <a:off x="0" y="0"/>
+          <a:ext cx="0" cy="0"/>
+          <a:chOff x="0" y="0"/>
+          <a:chExt cx="0" cy="0"/>
+        </a:xfrm>
+      </p:grpSpPr>
+      <p:cxnSp>
+        <p:nvCxnSpPr>
+          <p:cNvPr id="20" name="直线连接符 19">
+            <a:extLst>
+              <a:ext uri="{FF2B5EF4-FFF2-40B4-BE49-F238E27FC236}">
+                <a16:creationId xmlns:a16="http://schemas.microsoft.com/office/drawing/2014/main" id="{A2290531-20A9-F846-968F-AD1527994C0D}"/>
+              </a:ext>
+            </a:extLst>
+          </p:cNvPr>
+          <p:cNvCxnSpPr>
+            <a:cxnSpLocks/>
+          </p:cNvCxnSpPr>
+          <p:nvPr/>
+        </p:nvCxnSpPr>
+        <p:spPr>
+          <a:xfrm>
+            <a:off x="2939501" y="3445479"/>
             <a:ext cx="0" cy="1174186"/>
           </a:xfrm>
           <a:prstGeom prst="line">
@@ -3814,10 +3886,10 @@
       </p:cxnSp>
       <p:cxnSp>
         <p:nvCxnSpPr>
-          <p:cNvPr id="37" name="直线连接符 36">
-            <a:extLst>
-              <a:ext uri="{FF2B5EF4-FFF2-40B4-BE49-F238E27FC236}">
-                <a16:creationId xmlns:a16="http://schemas.microsoft.com/office/drawing/2014/main" id="{94CA82C0-7C1B-4247-B643-E6425D5A4472}"/>
+          <p:cNvPr id="21" name="直线连接符 20">
+            <a:extLst>
+              <a:ext uri="{FF2B5EF4-FFF2-40B4-BE49-F238E27FC236}">
+                <a16:creationId xmlns:a16="http://schemas.microsoft.com/office/drawing/2014/main" id="{2E24C3A0-CB87-694E-9C3B-37E3F41A97BC}"/>
               </a:ext>
             </a:extLst>
           </p:cNvPr>
@@ -3828,7 +3900,7 @@
         </p:nvCxnSpPr>
         <p:spPr>
           <a:xfrm>
-            <a:off x="1399913" y="4236373"/>
+            <a:off x="2934421" y="2281453"/>
             <a:ext cx="0" cy="1174186"/>
           </a:xfrm>
           <a:prstGeom prst="line">
@@ -3859,10 +3931,10 @@
       </p:cxnSp>
       <p:sp>
         <p:nvSpPr>
-          <p:cNvPr id="53" name="文本框 52">
-            <a:extLst>
-              <a:ext uri="{FF2B5EF4-FFF2-40B4-BE49-F238E27FC236}">
-                <a16:creationId xmlns:a16="http://schemas.microsoft.com/office/drawing/2014/main" id="{68CCA61A-9A24-814E-9536-C3F1F12CF793}"/>
+          <p:cNvPr id="22" name="文本框 21">
+            <a:extLst>
+              <a:ext uri="{FF2B5EF4-FFF2-40B4-BE49-F238E27FC236}">
+                <a16:creationId xmlns:a16="http://schemas.microsoft.com/office/drawing/2014/main" id="{1F8DD090-977E-654B-8110-595179A46818}"/>
               </a:ext>
             </a:extLst>
           </p:cNvPr>
@@ -3871,7 +3943,7 @@
         </p:nvSpPr>
         <p:spPr>
           <a:xfrm>
-            <a:off x="1222113" y="3872121"/>
+            <a:off x="2756621" y="1917201"/>
             <a:ext cx="467360" cy="369332"/>
           </a:xfrm>
           <a:prstGeom prst="rect">
@@ -3895,10 +3967,10 @@
       </p:sp>
       <p:sp>
         <p:nvSpPr>
-          <p:cNvPr id="54" name="文本框 53">
-            <a:extLst>
-              <a:ext uri="{FF2B5EF4-FFF2-40B4-BE49-F238E27FC236}">
-                <a16:creationId xmlns:a16="http://schemas.microsoft.com/office/drawing/2014/main" id="{4D4BE807-70D7-5045-9160-9FB6110ECF99}"/>
+          <p:cNvPr id="23" name="文本框 22">
+            <a:extLst>
+              <a:ext uri="{FF2B5EF4-FFF2-40B4-BE49-F238E27FC236}">
+                <a16:creationId xmlns:a16="http://schemas.microsoft.com/office/drawing/2014/main" id="{79DCFBD2-A535-9440-909C-11B080E400B2}"/>
               </a:ext>
             </a:extLst>
           </p:cNvPr>
@@ -3907,7 +3979,7 @@
         </p:nvSpPr>
         <p:spPr>
           <a:xfrm>
-            <a:off x="3871426" y="3881280"/>
+            <a:off x="5405934" y="1926360"/>
             <a:ext cx="467360" cy="369332"/>
           </a:xfrm>
           <a:prstGeom prst="rect">
@@ -3931,10 +4003,10 @@
       </p:sp>
       <p:sp>
         <p:nvSpPr>
-          <p:cNvPr id="55" name="文本框 54">
-            <a:extLst>
-              <a:ext uri="{FF2B5EF4-FFF2-40B4-BE49-F238E27FC236}">
-                <a16:creationId xmlns:a16="http://schemas.microsoft.com/office/drawing/2014/main" id="{5588D873-E086-3744-B8BE-8579F702980C}"/>
+          <p:cNvPr id="24" name="文本框 23">
+            <a:extLst>
+              <a:ext uri="{FF2B5EF4-FFF2-40B4-BE49-F238E27FC236}">
+                <a16:creationId xmlns:a16="http://schemas.microsoft.com/office/drawing/2014/main" id="{5C4C251F-37BA-5E47-BE42-6B91342EC997}"/>
               </a:ext>
             </a:extLst>
           </p:cNvPr>
@@ -3943,7 +4015,7 @@
         </p:nvSpPr>
         <p:spPr>
           <a:xfrm>
-            <a:off x="6317262" y="3881280"/>
+            <a:off x="7851770" y="1926360"/>
             <a:ext cx="467360" cy="369332"/>
           </a:xfrm>
           <a:prstGeom prst="rect">
@@ -3967,10 +4039,10 @@
       </p:sp>
       <p:cxnSp>
         <p:nvCxnSpPr>
-          <p:cNvPr id="56" name="直线连接符 55">
-            <a:extLst>
-              <a:ext uri="{FF2B5EF4-FFF2-40B4-BE49-F238E27FC236}">
-                <a16:creationId xmlns:a16="http://schemas.microsoft.com/office/drawing/2014/main" id="{6D05ABA9-A416-9845-983A-BA9F822F08B3}"/>
+          <p:cNvPr id="25" name="直线连接符 24">
+            <a:extLst>
+              <a:ext uri="{FF2B5EF4-FFF2-40B4-BE49-F238E27FC236}">
+                <a16:creationId xmlns:a16="http://schemas.microsoft.com/office/drawing/2014/main" id="{E109438D-580B-FE42-AAA3-FBA59ED06000}"/>
               </a:ext>
             </a:extLst>
           </p:cNvPr>
@@ -3981,7 +4053,7 @@
         </p:nvCxnSpPr>
         <p:spPr>
           <a:xfrm>
-            <a:off x="963033" y="4250612"/>
+            <a:off x="2497541" y="2295692"/>
             <a:ext cx="6120744" cy="0"/>
           </a:xfrm>
           <a:prstGeom prst="line">
@@ -4008,10 +4080,10 @@
       </p:cxnSp>
       <p:sp>
         <p:nvSpPr>
-          <p:cNvPr id="57" name="文本框 56">
-            <a:extLst>
-              <a:ext uri="{FF2B5EF4-FFF2-40B4-BE49-F238E27FC236}">
-                <a16:creationId xmlns:a16="http://schemas.microsoft.com/office/drawing/2014/main" id="{0A76405B-24DC-C14C-A1B1-AB67FABA303A}"/>
+          <p:cNvPr id="26" name="文本框 25">
+            <a:extLst>
+              <a:ext uri="{FF2B5EF4-FFF2-40B4-BE49-F238E27FC236}">
+                <a16:creationId xmlns:a16="http://schemas.microsoft.com/office/drawing/2014/main" id="{F4AAACD1-3A00-9443-827D-F6DF6F31E56F}"/>
               </a:ext>
             </a:extLst>
           </p:cNvPr>
@@ -4020,7 +4092,7 @@
         </p:nvSpPr>
         <p:spPr>
           <a:xfrm>
-            <a:off x="381644" y="5554602"/>
+            <a:off x="1916152" y="3599682"/>
             <a:ext cx="1499922" cy="369332"/>
           </a:xfrm>
           <a:prstGeom prst="rect">
@@ -4048,10 +4120,10 @@
       </p:sp>
       <p:sp>
         <p:nvSpPr>
-          <p:cNvPr id="58" name="文本框 57">
-            <a:extLst>
-              <a:ext uri="{FF2B5EF4-FFF2-40B4-BE49-F238E27FC236}">
-                <a16:creationId xmlns:a16="http://schemas.microsoft.com/office/drawing/2014/main" id="{004B6E91-7EE2-C647-9248-52E74171B9B6}"/>
+          <p:cNvPr id="27" name="文本框 26">
+            <a:extLst>
+              <a:ext uri="{FF2B5EF4-FFF2-40B4-BE49-F238E27FC236}">
+                <a16:creationId xmlns:a16="http://schemas.microsoft.com/office/drawing/2014/main" id="{27FC15CA-8527-9D4B-A933-4B56BE538D57}"/>
               </a:ext>
             </a:extLst>
           </p:cNvPr>
@@ -4060,7 +4132,7 @@
         </p:nvSpPr>
         <p:spPr>
           <a:xfrm>
-            <a:off x="213072" y="4613408"/>
+            <a:off x="1747580" y="2658488"/>
             <a:ext cx="2749414" cy="369332"/>
           </a:xfrm>
           <a:prstGeom prst="rect">
@@ -4088,10 +4160,10 @@
       </p:sp>
       <p:cxnSp>
         <p:nvCxnSpPr>
-          <p:cNvPr id="63" name="直线连接符 62">
-            <a:extLst>
-              <a:ext uri="{FF2B5EF4-FFF2-40B4-BE49-F238E27FC236}">
-                <a16:creationId xmlns:a16="http://schemas.microsoft.com/office/drawing/2014/main" id="{B2F91266-7D27-5246-8F24-B867DE08DD54}"/>
+          <p:cNvPr id="29" name="直线连接符 28">
+            <a:extLst>
+              <a:ext uri="{FF2B5EF4-FFF2-40B4-BE49-F238E27FC236}">
+                <a16:creationId xmlns:a16="http://schemas.microsoft.com/office/drawing/2014/main" id="{0D9A3F8E-BC91-1B4F-B91E-E1BB81819DAE}"/>
               </a:ext>
             </a:extLst>
           </p:cNvPr>
@@ -4102,48 +4174,7 @@
         </p:nvCxnSpPr>
         <p:spPr>
           <a:xfrm>
-            <a:off x="1115433" y="1817855"/>
-            <a:ext cx="6120744" cy="0"/>
-          </a:xfrm>
-          <a:prstGeom prst="line">
-            <a:avLst/>
-          </a:prstGeom>
-          <a:ln>
-            <a:prstDash val="dash"/>
-          </a:ln>
-        </p:spPr>
-        <p:style>
-          <a:lnRef idx="1">
-            <a:schemeClr val="accent1"/>
-          </a:lnRef>
-          <a:fillRef idx="0">
-            <a:schemeClr val="accent1"/>
-          </a:fillRef>
-          <a:effectRef idx="0">
-            <a:schemeClr val="accent1"/>
-          </a:effectRef>
-          <a:fontRef idx="minor">
-            <a:schemeClr val="tx1"/>
-          </a:fontRef>
-        </p:style>
-      </p:cxnSp>
-      <p:cxnSp>
-        <p:nvCxnSpPr>
-          <p:cNvPr id="64" name="直线连接符 63">
-            <a:extLst>
-              <a:ext uri="{FF2B5EF4-FFF2-40B4-BE49-F238E27FC236}">
-                <a16:creationId xmlns:a16="http://schemas.microsoft.com/office/drawing/2014/main" id="{ED320759-1E83-5D4A-9F5D-0C72D3144AE8}"/>
-              </a:ext>
-            </a:extLst>
-          </p:cNvPr>
-          <p:cNvCxnSpPr>
-            <a:cxnSpLocks/>
-          </p:cNvCxnSpPr>
-          <p:nvPr/>
-        </p:nvCxnSpPr>
-        <p:spPr>
-          <a:xfrm>
-            <a:off x="4040949" y="5428620"/>
+            <a:off x="5575457" y="3473700"/>
             <a:ext cx="0" cy="1174186"/>
           </a:xfrm>
           <a:prstGeom prst="line">
@@ -4172,10 +4203,10 @@
       </p:cxnSp>
       <p:cxnSp>
         <p:nvCxnSpPr>
-          <p:cNvPr id="65" name="直线连接符 64">
-            <a:extLst>
-              <a:ext uri="{FF2B5EF4-FFF2-40B4-BE49-F238E27FC236}">
-                <a16:creationId xmlns:a16="http://schemas.microsoft.com/office/drawing/2014/main" id="{A21B5EDF-8977-4A4F-83E3-FA622B004C89}"/>
+          <p:cNvPr id="30" name="直线连接符 29">
+            <a:extLst>
+              <a:ext uri="{FF2B5EF4-FFF2-40B4-BE49-F238E27FC236}">
+                <a16:creationId xmlns:a16="http://schemas.microsoft.com/office/drawing/2014/main" id="{350D8B4E-5BC2-2F45-A5EA-2BD83CD15A90}"/>
               </a:ext>
             </a:extLst>
           </p:cNvPr>
@@ -4186,7 +4217,7 @@
         </p:nvCxnSpPr>
         <p:spPr>
           <a:xfrm>
-            <a:off x="4035869" y="4264594"/>
+            <a:off x="5570377" y="2309674"/>
             <a:ext cx="0" cy="1174186"/>
           </a:xfrm>
           <a:prstGeom prst="line">
@@ -4217,10 +4248,10 @@
       </p:cxnSp>
       <p:sp>
         <p:nvSpPr>
-          <p:cNvPr id="66" name="文本框 65">
-            <a:extLst>
-              <a:ext uri="{FF2B5EF4-FFF2-40B4-BE49-F238E27FC236}">
-                <a16:creationId xmlns:a16="http://schemas.microsoft.com/office/drawing/2014/main" id="{8A997E80-C952-EE48-8C6D-27614F9C3C21}"/>
+          <p:cNvPr id="31" name="文本框 30">
+            <a:extLst>
+              <a:ext uri="{FF2B5EF4-FFF2-40B4-BE49-F238E27FC236}">
+                <a16:creationId xmlns:a16="http://schemas.microsoft.com/office/drawing/2014/main" id="{3820357B-CA3B-BD4F-8EB6-2DBBB39C96B0}"/>
               </a:ext>
             </a:extLst>
           </p:cNvPr>
@@ -4229,7 +4260,7 @@
         </p:nvSpPr>
         <p:spPr>
           <a:xfrm>
-            <a:off x="3017600" y="5582823"/>
+            <a:off x="4552108" y="3627903"/>
             <a:ext cx="1499922" cy="369332"/>
           </a:xfrm>
           <a:prstGeom prst="rect">
@@ -4249,7 +4280,7 @@
             </a:r>
             <a:r>
               <a:rPr kumimoji="1" lang="en-US" altLang="zh-CN" dirty="0"/>
-              <a:t>(b1,v1)</a:t>
+              <a:t>(b2,v2)</a:t>
             </a:r>
             <a:endParaRPr kumimoji="1" lang="zh-CN" altLang="en-US" dirty="0"/>
           </a:p>
@@ -4257,10 +4288,10 @@
       </p:sp>
       <p:sp>
         <p:nvSpPr>
-          <p:cNvPr id="67" name="文本框 66">
-            <a:extLst>
-              <a:ext uri="{FF2B5EF4-FFF2-40B4-BE49-F238E27FC236}">
-                <a16:creationId xmlns:a16="http://schemas.microsoft.com/office/drawing/2014/main" id="{0542F01B-6252-F94E-B36E-643AC0E70DE4}"/>
+          <p:cNvPr id="32" name="文本框 31">
+            <a:extLst>
+              <a:ext uri="{FF2B5EF4-FFF2-40B4-BE49-F238E27FC236}">
+                <a16:creationId xmlns:a16="http://schemas.microsoft.com/office/drawing/2014/main" id="{6493163C-A0C0-864B-A207-30E57547A924}"/>
               </a:ext>
             </a:extLst>
           </p:cNvPr>
@@ -4269,7 +4300,7 @@
         </p:nvSpPr>
         <p:spPr>
           <a:xfrm>
-            <a:off x="2849028" y="4641629"/>
+            <a:off x="4383536" y="2686709"/>
             <a:ext cx="2749414" cy="369332"/>
           </a:xfrm>
           <a:prstGeom prst="rect">
@@ -4289,7 +4320,7 @@
             </a:r>
             <a:r>
               <a:rPr kumimoji="1" lang="en-US" altLang="zh-CN" dirty="0"/>
-              <a:t>(b1,b)</a:t>
+              <a:t>(b2,b)</a:t>
             </a:r>
             <a:endParaRPr kumimoji="1" lang="zh-CN" altLang="en-US" dirty="0"/>
           </a:p>
@@ -4298,7 +4329,7 @@
     </p:spTree>
     <p:extLst>
       <p:ext uri="{BB962C8B-B14F-4D97-AF65-F5344CB8AC3E}">
-        <p14:creationId xmlns:p14="http://schemas.microsoft.com/office/powerpoint/2010/main" val="796645485"/>
+        <p14:creationId xmlns:p14="http://schemas.microsoft.com/office/powerpoint/2010/main" val="2789544983"/>
       </p:ext>
     </p:extLst>
   </p:cSld>

--- a/drawings.pptx
+++ b/drawings.pptx
@@ -111,6 +111,18 @@
     </p:ext>
   </p:extLst>
 </p:presentation>
+</file>
+
+<file path=ppt/commentAuthors.xml><?xml version="1.0" encoding="utf-8"?>
+<p:cmAuthorLst xmlns:a="http://schemas.openxmlformats.org/drawingml/2006/main" xmlns:r="http://schemas.openxmlformats.org/officeDocument/2006/relationships" xmlns:p="http://schemas.openxmlformats.org/presentationml/2006/main">
+  <p:cmAuthor id="1" name="Huanqing Dong" initials="HD" lastIdx="1" clrIdx="0">
+    <p:extLst>
+      <p:ext uri="{19B8F6BF-5375-455C-9EA6-DF929625EA0E}">
+        <p15:presenceInfo xmlns:p15="http://schemas.microsoft.com/office/powerpoint/2012/main" userId="a890a8f1fb55f792" providerId="Windows Live"/>
+      </p:ext>
+    </p:extLst>
+  </p:cmAuthor>
+</p:cmAuthorLst>
 </file>
 
 <file path=ppt/slideLayouts/slideLayout1.xml><?xml version="1.0" encoding="utf-8"?>
@@ -3544,7 +3556,7 @@
         </p:nvSpPr>
         <p:spPr>
           <a:xfrm>
-            <a:off x="376001" y="1947800"/>
+            <a:off x="376001" y="1884740"/>
             <a:ext cx="1499922" cy="369332"/>
           </a:xfrm>
           <a:prstGeom prst="rect">
@@ -3559,12 +3571,8 @@
           <a:lstStyle/>
           <a:p>
             <a:r>
-              <a:rPr kumimoji="1" lang="en-US" altLang="zh-CN" dirty="0" err="1"/>
-              <a:t>SafeAt</a:t>
-            </a:r>
-            <a:r>
               <a:rPr kumimoji="1" lang="en-US" altLang="zh-CN" dirty="0"/>
-              <a:t>(b1,v1)</a:t>
+              <a:t>SafeAt(b1,v1)</a:t>
             </a:r>
             <a:endParaRPr kumimoji="1" lang="zh-CN" altLang="en-US" dirty="0"/>
           </a:p>
@@ -3585,7 +3593,7 @@
         <p:spPr>
           <a:xfrm>
             <a:off x="207429" y="1006606"/>
-            <a:ext cx="2749414" cy="369332"/>
+            <a:ext cx="3017994" cy="369332"/>
           </a:xfrm>
           <a:prstGeom prst="rect">
             <a:avLst/>
@@ -3599,12 +3607,8 @@
           <a:lstStyle/>
           <a:p>
             <a:r>
-              <a:rPr kumimoji="1" lang="en-US" altLang="zh-CN" dirty="0" err="1"/>
-              <a:t>CannotVotBetween</a:t>
-            </a:r>
-            <a:r>
               <a:rPr kumimoji="1" lang="en-US" altLang="zh-CN" dirty="0"/>
-              <a:t>(b1,b)</a:t>
+              <a:t>CannotVoteBetween(a1,b1,b)</a:t>
             </a:r>
             <a:endParaRPr kumimoji="1" lang="zh-CN" altLang="en-US" dirty="0"/>
           </a:p>
@@ -3624,8 +3628,8 @@
         </p:nvSpPr>
         <p:spPr>
           <a:xfrm>
-            <a:off x="2659195" y="1444189"/>
-            <a:ext cx="2715256" cy="369332"/>
+            <a:off x="2501462" y="1444189"/>
+            <a:ext cx="3100551" cy="369332"/>
           </a:xfrm>
           <a:prstGeom prst="rect">
             <a:avLst/>
@@ -3639,12 +3643,8 @@
           <a:lstStyle/>
           <a:p>
             <a:r>
-              <a:rPr kumimoji="1" lang="en-US" altLang="zh-CN" dirty="0" err="1"/>
-              <a:t>CannotVotBetween</a:t>
-            </a:r>
-            <a:r>
               <a:rPr kumimoji="1" lang="en-US" altLang="zh-CN" dirty="0"/>
-              <a:t>(b2,b)</a:t>
+              <a:t>CannotVoteBetween(a2, b2,b)</a:t>
             </a:r>
             <a:endParaRPr kumimoji="1" lang="zh-CN" altLang="en-US" dirty="0"/>
           </a:p>
@@ -3664,8 +3664,8 @@
         </p:nvSpPr>
         <p:spPr>
           <a:xfrm>
-            <a:off x="5009638" y="968987"/>
-            <a:ext cx="2715256" cy="369332"/>
+            <a:off x="5009637" y="968987"/>
+            <a:ext cx="3100551" cy="369332"/>
           </a:xfrm>
           <a:prstGeom prst="rect">
             <a:avLst/>
@@ -3679,12 +3679,8 @@
           <a:lstStyle/>
           <a:p>
             <a:r>
-              <a:rPr kumimoji="1" lang="en-US" altLang="zh-CN" dirty="0" err="1"/>
-              <a:t>CannotVotBetween</a:t>
-            </a:r>
-            <a:r>
               <a:rPr kumimoji="1" lang="en-US" altLang="zh-CN" dirty="0"/>
-              <a:t>(b3,b)</a:t>
+              <a:t>CannotVoteBetween(a3,b3,b)</a:t>
             </a:r>
             <a:endParaRPr kumimoji="1" lang="zh-CN" altLang="en-US" dirty="0"/>
           </a:p>
@@ -3704,7 +3700,7 @@
         </p:nvSpPr>
         <p:spPr>
           <a:xfrm>
-            <a:off x="3253737" y="2327292"/>
+            <a:off x="3253737" y="2180149"/>
             <a:ext cx="1499922" cy="369332"/>
           </a:xfrm>
           <a:prstGeom prst="rect">
@@ -3719,12 +3715,8 @@
           <a:lstStyle/>
           <a:p>
             <a:r>
-              <a:rPr kumimoji="1" lang="en-US" altLang="zh-CN" dirty="0" err="1"/>
-              <a:t>SafeAt</a:t>
-            </a:r>
-            <a:r>
               <a:rPr kumimoji="1" lang="en-US" altLang="zh-CN" dirty="0"/>
-              <a:t>(b2,v2)</a:t>
+              <a:t>SafeAt(b2,v2)</a:t>
             </a:r>
             <a:endParaRPr kumimoji="1" lang="zh-CN" altLang="en-US" dirty="0"/>
           </a:p>
@@ -3744,7 +3736,7 @@
         </p:nvSpPr>
         <p:spPr>
           <a:xfrm>
-            <a:off x="6505788" y="2575437"/>
+            <a:off x="5561658" y="2573738"/>
             <a:ext cx="1499922" cy="369332"/>
           </a:xfrm>
           <a:prstGeom prst="rect">
@@ -3759,12 +3751,8 @@
           <a:lstStyle/>
           <a:p>
             <a:r>
-              <a:rPr kumimoji="1" lang="en-US" altLang="zh-CN" dirty="0" err="1"/>
-              <a:t>SafeAt</a:t>
-            </a:r>
-            <a:r>
               <a:rPr kumimoji="1" lang="en-US" altLang="zh-CN" dirty="0"/>
-              <a:t>(b3,v3)</a:t>
+              <a:t>SafeAt(b3,v3)</a:t>
             </a:r>
             <a:endParaRPr kumimoji="1" lang="zh-CN" altLang="en-US" dirty="0"/>
           </a:p>
@@ -3843,10 +3831,10 @@
       </p:grpSpPr>
       <p:cxnSp>
         <p:nvCxnSpPr>
-          <p:cNvPr id="20" name="直线连接符 19">
-            <a:extLst>
-              <a:ext uri="{FF2B5EF4-FFF2-40B4-BE49-F238E27FC236}">
-                <a16:creationId xmlns:a16="http://schemas.microsoft.com/office/drawing/2014/main" id="{A2290531-20A9-F846-968F-AD1527994C0D}"/>
+          <p:cNvPr id="34" name="直线连接符 33">
+            <a:extLst>
+              <a:ext uri="{FF2B5EF4-FFF2-40B4-BE49-F238E27FC236}">
+                <a16:creationId xmlns:a16="http://schemas.microsoft.com/office/drawing/2014/main" id="{9818B504-E384-D544-8A46-A2661ADFAEDA}"/>
               </a:ext>
             </a:extLst>
           </p:cNvPr>
@@ -3856,211 +3844,19 @@
           <p:nvPr/>
         </p:nvCxnSpPr>
         <p:spPr>
-          <a:xfrm>
-            <a:off x="2939501" y="3445479"/>
-            <a:ext cx="0" cy="1174186"/>
+          <a:xfrm flipH="1">
+            <a:off x="5654128" y="557046"/>
+            <a:ext cx="438" cy="5335754"/>
           </a:xfrm>
           <a:prstGeom prst="line">
             <a:avLst/>
           </a:prstGeom>
-          <a:ln w="142875">
+          <a:ln w="19050">
             <a:solidFill>
-              <a:schemeClr val="accent2"/>
+              <a:srgbClr val="FF0000">
+                <a:alpha val="94000"/>
+              </a:srgbClr>
             </a:solidFill>
-          </a:ln>
-        </p:spPr>
-        <p:style>
-          <a:lnRef idx="3">
-            <a:schemeClr val="dk1"/>
-          </a:lnRef>
-          <a:fillRef idx="0">
-            <a:schemeClr val="dk1"/>
-          </a:fillRef>
-          <a:effectRef idx="2">
-            <a:schemeClr val="dk1"/>
-          </a:effectRef>
-          <a:fontRef idx="minor">
-            <a:schemeClr val="tx1"/>
-          </a:fontRef>
-        </p:style>
-      </p:cxnSp>
-      <p:cxnSp>
-        <p:nvCxnSpPr>
-          <p:cNvPr id="21" name="直线连接符 20">
-            <a:extLst>
-              <a:ext uri="{FF2B5EF4-FFF2-40B4-BE49-F238E27FC236}">
-                <a16:creationId xmlns:a16="http://schemas.microsoft.com/office/drawing/2014/main" id="{2E24C3A0-CB87-694E-9C3B-37E3F41A97BC}"/>
-              </a:ext>
-            </a:extLst>
-          </p:cNvPr>
-          <p:cNvCxnSpPr>
-            <a:cxnSpLocks/>
-          </p:cNvCxnSpPr>
-          <p:nvPr/>
-        </p:nvCxnSpPr>
-        <p:spPr>
-          <a:xfrm>
-            <a:off x="2934421" y="2281453"/>
-            <a:ext cx="0" cy="1174186"/>
-          </a:xfrm>
-          <a:prstGeom prst="line">
-            <a:avLst/>
-          </a:prstGeom>
-          <a:ln w="142875">
-            <a:solidFill>
-              <a:schemeClr val="bg1">
-                <a:lumMod val="50000"/>
-              </a:schemeClr>
-            </a:solidFill>
-          </a:ln>
-        </p:spPr>
-        <p:style>
-          <a:lnRef idx="3">
-            <a:schemeClr val="dk1"/>
-          </a:lnRef>
-          <a:fillRef idx="0">
-            <a:schemeClr val="dk1"/>
-          </a:fillRef>
-          <a:effectRef idx="2">
-            <a:schemeClr val="dk1"/>
-          </a:effectRef>
-          <a:fontRef idx="minor">
-            <a:schemeClr val="tx1"/>
-          </a:fontRef>
-        </p:style>
-      </p:cxnSp>
-      <p:sp>
-        <p:nvSpPr>
-          <p:cNvPr id="22" name="文本框 21">
-            <a:extLst>
-              <a:ext uri="{FF2B5EF4-FFF2-40B4-BE49-F238E27FC236}">
-                <a16:creationId xmlns:a16="http://schemas.microsoft.com/office/drawing/2014/main" id="{1F8DD090-977E-654B-8110-595179A46818}"/>
-              </a:ext>
-            </a:extLst>
-          </p:cNvPr>
-          <p:cNvSpPr txBox="1"/>
-          <p:nvPr/>
-        </p:nvSpPr>
-        <p:spPr>
-          <a:xfrm>
-            <a:off x="2756621" y="1917201"/>
-            <a:ext cx="467360" cy="369332"/>
-          </a:xfrm>
-          <a:prstGeom prst="rect">
-            <a:avLst/>
-          </a:prstGeom>
-          <a:noFill/>
-        </p:spPr>
-        <p:txBody>
-          <a:bodyPr wrap="square" rtlCol="0">
-            <a:spAutoFit/>
-          </a:bodyPr>
-          <a:lstStyle/>
-          <a:p>
-            <a:r>
-              <a:rPr kumimoji="1" lang="en-US" altLang="zh-CN" dirty="0"/>
-              <a:t>a1</a:t>
-            </a:r>
-            <a:endParaRPr kumimoji="1" lang="zh-CN" altLang="en-US" dirty="0"/>
-          </a:p>
-        </p:txBody>
-      </p:sp>
-      <p:sp>
-        <p:nvSpPr>
-          <p:cNvPr id="23" name="文本框 22">
-            <a:extLst>
-              <a:ext uri="{FF2B5EF4-FFF2-40B4-BE49-F238E27FC236}">
-                <a16:creationId xmlns:a16="http://schemas.microsoft.com/office/drawing/2014/main" id="{79DCFBD2-A535-9440-909C-11B080E400B2}"/>
-              </a:ext>
-            </a:extLst>
-          </p:cNvPr>
-          <p:cNvSpPr txBox="1"/>
-          <p:nvPr/>
-        </p:nvSpPr>
-        <p:spPr>
-          <a:xfrm>
-            <a:off x="5405934" y="1926360"/>
-            <a:ext cx="467360" cy="369332"/>
-          </a:xfrm>
-          <a:prstGeom prst="rect">
-            <a:avLst/>
-          </a:prstGeom>
-          <a:noFill/>
-        </p:spPr>
-        <p:txBody>
-          <a:bodyPr wrap="square" rtlCol="0">
-            <a:spAutoFit/>
-          </a:bodyPr>
-          <a:lstStyle/>
-          <a:p>
-            <a:r>
-              <a:rPr kumimoji="1" lang="en-US" altLang="zh-CN" dirty="0"/>
-              <a:t>a2</a:t>
-            </a:r>
-            <a:endParaRPr kumimoji="1" lang="zh-CN" altLang="en-US" dirty="0"/>
-          </a:p>
-        </p:txBody>
-      </p:sp>
-      <p:sp>
-        <p:nvSpPr>
-          <p:cNvPr id="24" name="文本框 23">
-            <a:extLst>
-              <a:ext uri="{FF2B5EF4-FFF2-40B4-BE49-F238E27FC236}">
-                <a16:creationId xmlns:a16="http://schemas.microsoft.com/office/drawing/2014/main" id="{5C4C251F-37BA-5E47-BE42-6B91342EC997}"/>
-              </a:ext>
-            </a:extLst>
-          </p:cNvPr>
-          <p:cNvSpPr txBox="1"/>
-          <p:nvPr/>
-        </p:nvSpPr>
-        <p:spPr>
-          <a:xfrm>
-            <a:off x="7851770" y="1926360"/>
-            <a:ext cx="467360" cy="369332"/>
-          </a:xfrm>
-          <a:prstGeom prst="rect">
-            <a:avLst/>
-          </a:prstGeom>
-          <a:noFill/>
-        </p:spPr>
-        <p:txBody>
-          <a:bodyPr wrap="square" rtlCol="0">
-            <a:spAutoFit/>
-          </a:bodyPr>
-          <a:lstStyle/>
-          <a:p>
-            <a:r>
-              <a:rPr kumimoji="1" lang="en-US" altLang="zh-CN" dirty="0"/>
-              <a:t>a3</a:t>
-            </a:r>
-            <a:endParaRPr kumimoji="1" lang="zh-CN" altLang="en-US" dirty="0"/>
-          </a:p>
-        </p:txBody>
-      </p:sp>
-      <p:cxnSp>
-        <p:nvCxnSpPr>
-          <p:cNvPr id="25" name="直线连接符 24">
-            <a:extLst>
-              <a:ext uri="{FF2B5EF4-FFF2-40B4-BE49-F238E27FC236}">
-                <a16:creationId xmlns:a16="http://schemas.microsoft.com/office/drawing/2014/main" id="{E109438D-580B-FE42-AAA3-FBA59ED06000}"/>
-              </a:ext>
-            </a:extLst>
-          </p:cNvPr>
-          <p:cNvCxnSpPr>
-            <a:cxnSpLocks/>
-          </p:cNvCxnSpPr>
-          <p:nvPr/>
-        </p:nvCxnSpPr>
-        <p:spPr>
-          <a:xfrm>
-            <a:off x="2497541" y="2295692"/>
-            <a:ext cx="6120744" cy="0"/>
-          </a:xfrm>
-          <a:prstGeom prst="line">
-            <a:avLst/>
-          </a:prstGeom>
-          <a:ln>
-            <a:prstDash val="dash"/>
           </a:ln>
         </p:spPr>
         <p:style>
@@ -4078,92 +3874,12 @@
           </a:fontRef>
         </p:style>
       </p:cxnSp>
-      <p:sp>
-        <p:nvSpPr>
-          <p:cNvPr id="26" name="文本框 25">
-            <a:extLst>
-              <a:ext uri="{FF2B5EF4-FFF2-40B4-BE49-F238E27FC236}">
-                <a16:creationId xmlns:a16="http://schemas.microsoft.com/office/drawing/2014/main" id="{F4AAACD1-3A00-9443-827D-F6DF6F31E56F}"/>
-              </a:ext>
-            </a:extLst>
-          </p:cNvPr>
-          <p:cNvSpPr txBox="1"/>
-          <p:nvPr/>
-        </p:nvSpPr>
-        <p:spPr>
-          <a:xfrm>
-            <a:off x="1916152" y="3599682"/>
-            <a:ext cx="1499922" cy="369332"/>
-          </a:xfrm>
-          <a:prstGeom prst="rect">
-            <a:avLst/>
-          </a:prstGeom>
-          <a:noFill/>
-        </p:spPr>
-        <p:txBody>
-          <a:bodyPr wrap="square" rtlCol="0">
-            <a:spAutoFit/>
-          </a:bodyPr>
-          <a:lstStyle/>
-          <a:p>
-            <a:r>
-              <a:rPr kumimoji="1" lang="en-US" altLang="zh-CN" dirty="0" err="1"/>
-              <a:t>SafeAt</a:t>
-            </a:r>
-            <a:r>
-              <a:rPr kumimoji="1" lang="en-US" altLang="zh-CN" dirty="0"/>
-              <a:t>(b1,v1)</a:t>
-            </a:r>
-            <a:endParaRPr kumimoji="1" lang="zh-CN" altLang="en-US" dirty="0"/>
-          </a:p>
-        </p:txBody>
-      </p:sp>
-      <p:sp>
-        <p:nvSpPr>
-          <p:cNvPr id="27" name="文本框 26">
-            <a:extLst>
-              <a:ext uri="{FF2B5EF4-FFF2-40B4-BE49-F238E27FC236}">
-                <a16:creationId xmlns:a16="http://schemas.microsoft.com/office/drawing/2014/main" id="{27FC15CA-8527-9D4B-A933-4B56BE538D57}"/>
-              </a:ext>
-            </a:extLst>
-          </p:cNvPr>
-          <p:cNvSpPr txBox="1"/>
-          <p:nvPr/>
-        </p:nvSpPr>
-        <p:spPr>
-          <a:xfrm>
-            <a:off x="1747580" y="2658488"/>
-            <a:ext cx="2749414" cy="369332"/>
-          </a:xfrm>
-          <a:prstGeom prst="rect">
-            <a:avLst/>
-          </a:prstGeom>
-          <a:noFill/>
-        </p:spPr>
-        <p:txBody>
-          <a:bodyPr wrap="square" rtlCol="0">
-            <a:spAutoFit/>
-          </a:bodyPr>
-          <a:lstStyle/>
-          <a:p>
-            <a:r>
-              <a:rPr kumimoji="1" lang="en-US" altLang="zh-CN" dirty="0" err="1"/>
-              <a:t>CannotVotBetween</a:t>
-            </a:r>
-            <a:r>
-              <a:rPr kumimoji="1" lang="en-US" altLang="zh-CN" dirty="0"/>
-              <a:t>(b1,b)</a:t>
-            </a:r>
-            <a:endParaRPr kumimoji="1" lang="zh-CN" altLang="en-US" dirty="0"/>
-          </a:p>
-        </p:txBody>
-      </p:sp>
       <p:cxnSp>
         <p:nvCxnSpPr>
-          <p:cNvPr id="29" name="直线连接符 28">
-            <a:extLst>
-              <a:ext uri="{FF2B5EF4-FFF2-40B4-BE49-F238E27FC236}">
-                <a16:creationId xmlns:a16="http://schemas.microsoft.com/office/drawing/2014/main" id="{0D9A3F8E-BC91-1B4F-B91E-E1BB81819DAE}"/>
+          <p:cNvPr id="35" name="直线连接符 34">
+            <a:extLst>
+              <a:ext uri="{FF2B5EF4-FFF2-40B4-BE49-F238E27FC236}">
+                <a16:creationId xmlns:a16="http://schemas.microsoft.com/office/drawing/2014/main" id="{515D411D-C0DE-0A48-AA0E-02E85DFDC535}"/>
               </a:ext>
             </a:extLst>
           </p:cNvPr>
@@ -4174,27 +3890,27 @@
         </p:nvCxnSpPr>
         <p:spPr>
           <a:xfrm>
-            <a:off x="5575457" y="3473700"/>
-            <a:ext cx="0" cy="1174186"/>
+            <a:off x="1686911" y="557046"/>
+            <a:ext cx="0" cy="5335754"/>
           </a:xfrm>
           <a:prstGeom prst="line">
             <a:avLst/>
           </a:prstGeom>
-          <a:ln w="142875">
+          <a:ln w="19050">
             <a:solidFill>
-              <a:schemeClr val="accent2"/>
+              <a:srgbClr val="7030A0"/>
             </a:solidFill>
           </a:ln>
         </p:spPr>
         <p:style>
-          <a:lnRef idx="3">
-            <a:schemeClr val="dk1"/>
+          <a:lnRef idx="1">
+            <a:schemeClr val="accent1"/>
           </a:lnRef>
           <a:fillRef idx="0">
-            <a:schemeClr val="dk1"/>
+            <a:schemeClr val="accent1"/>
           </a:fillRef>
-          <a:effectRef idx="2">
-            <a:schemeClr val="dk1"/>
+          <a:effectRef idx="0">
+            <a:schemeClr val="accent1"/>
           </a:effectRef>
           <a:fontRef idx="minor">
             <a:schemeClr val="tx1"/>
@@ -4203,10 +3919,10 @@
       </p:cxnSp>
       <p:cxnSp>
         <p:nvCxnSpPr>
-          <p:cNvPr id="30" name="直线连接符 29">
-            <a:extLst>
-              <a:ext uri="{FF2B5EF4-FFF2-40B4-BE49-F238E27FC236}">
-                <a16:creationId xmlns:a16="http://schemas.microsoft.com/office/drawing/2014/main" id="{350D8B4E-5BC2-2F45-A5EA-2BD83CD15A90}"/>
+          <p:cNvPr id="36" name="直线连接符 35">
+            <a:extLst>
+              <a:ext uri="{FF2B5EF4-FFF2-40B4-BE49-F238E27FC236}">
+                <a16:creationId xmlns:a16="http://schemas.microsoft.com/office/drawing/2014/main" id="{C657F96A-6629-3B43-8572-1979114CA46E}"/>
               </a:ext>
             </a:extLst>
           </p:cNvPr>
@@ -4216,30 +3932,28 @@
           <p:nvPr/>
         </p:nvCxnSpPr>
         <p:spPr>
-          <a:xfrm>
-            <a:off x="5570377" y="2309674"/>
-            <a:ext cx="0" cy="1174186"/>
+          <a:xfrm flipH="1">
+            <a:off x="9641705" y="538655"/>
+            <a:ext cx="5478" cy="5227145"/>
           </a:xfrm>
           <a:prstGeom prst="line">
             <a:avLst/>
           </a:prstGeom>
-          <a:ln w="142875">
+          <a:ln w="19050">
             <a:solidFill>
-              <a:schemeClr val="bg1">
-                <a:lumMod val="50000"/>
-              </a:schemeClr>
+              <a:srgbClr val="7030A0"/>
             </a:solidFill>
           </a:ln>
         </p:spPr>
         <p:style>
-          <a:lnRef idx="3">
-            <a:schemeClr val="dk1"/>
+          <a:lnRef idx="1">
+            <a:schemeClr val="accent1"/>
           </a:lnRef>
           <a:fillRef idx="0">
-            <a:schemeClr val="dk1"/>
+            <a:schemeClr val="accent1"/>
           </a:fillRef>
-          <a:effectRef idx="2">
-            <a:schemeClr val="dk1"/>
+          <a:effectRef idx="0">
+            <a:schemeClr val="accent1"/>
           </a:effectRef>
           <a:fontRef idx="minor">
             <a:schemeClr val="tx1"/>
@@ -4248,10 +3962,10 @@
       </p:cxnSp>
       <p:sp>
         <p:nvSpPr>
-          <p:cNvPr id="31" name="文本框 30">
-            <a:extLst>
-              <a:ext uri="{FF2B5EF4-FFF2-40B4-BE49-F238E27FC236}">
-                <a16:creationId xmlns:a16="http://schemas.microsoft.com/office/drawing/2014/main" id="{3820357B-CA3B-BD4F-8EB6-2DBBB39C96B0}"/>
+          <p:cNvPr id="37" name="文本框 36">
+            <a:extLst>
+              <a:ext uri="{FF2B5EF4-FFF2-40B4-BE49-F238E27FC236}">
+                <a16:creationId xmlns:a16="http://schemas.microsoft.com/office/drawing/2014/main" id="{BBC45346-CECB-6247-B4BF-56F45BE59437}"/>
               </a:ext>
             </a:extLst>
           </p:cNvPr>
@@ -4260,8 +3974,8 @@
         </p:nvSpPr>
         <p:spPr>
           <a:xfrm>
-            <a:off x="4552108" y="3627903"/>
-            <a:ext cx="1499922" cy="369332"/>
+            <a:off x="5475890" y="241738"/>
+            <a:ext cx="620108" cy="369332"/>
           </a:xfrm>
           <a:prstGeom prst="rect">
             <a:avLst/>
@@ -4275,23 +3989,101 @@
           <a:lstStyle/>
           <a:p>
             <a:r>
-              <a:rPr kumimoji="1" lang="en-US" altLang="zh-CN" dirty="0" err="1"/>
-              <a:t>SafeAt</a:t>
-            </a:r>
-            <a:r>
               <a:rPr kumimoji="1" lang="en-US" altLang="zh-CN" dirty="0"/>
-              <a:t>(b2,v2)</a:t>
+              <a:t>P0</a:t>
             </a:r>
             <a:endParaRPr kumimoji="1" lang="zh-CN" altLang="en-US" dirty="0"/>
           </a:p>
         </p:txBody>
       </p:sp>
-      <p:sp>
-        <p:nvSpPr>
-          <p:cNvPr id="32" name="文本框 31">
-            <a:extLst>
-              <a:ext uri="{FF2B5EF4-FFF2-40B4-BE49-F238E27FC236}">
-                <a16:creationId xmlns:a16="http://schemas.microsoft.com/office/drawing/2014/main" id="{6493163C-A0C0-864B-A207-30E57547A924}"/>
+      <p:cxnSp>
+        <p:nvCxnSpPr>
+          <p:cNvPr id="39" name="直线箭头连接符 38" descr="dd">
+            <a:extLst>
+              <a:ext uri="{FF2B5EF4-FFF2-40B4-BE49-F238E27FC236}">
+                <a16:creationId xmlns:a16="http://schemas.microsoft.com/office/drawing/2014/main" id="{5492204C-0CE7-D14B-B3E9-063009BEBF1C}"/>
+              </a:ext>
+            </a:extLst>
+          </p:cNvPr>
+          <p:cNvCxnSpPr>
+            <a:cxnSpLocks/>
+          </p:cNvCxnSpPr>
+          <p:nvPr/>
+        </p:nvCxnSpPr>
+        <p:spPr>
+          <a:xfrm flipH="1">
+            <a:off x="1686911" y="788276"/>
+            <a:ext cx="3957144" cy="303330"/>
+          </a:xfrm>
+          <a:prstGeom prst="straightConnector1">
+            <a:avLst/>
+          </a:prstGeom>
+          <a:ln w="19050">
+            <a:tailEnd type="arrow"/>
+          </a:ln>
+        </p:spPr>
+        <p:style>
+          <a:lnRef idx="1">
+            <a:schemeClr val="accent1"/>
+          </a:lnRef>
+          <a:fillRef idx="0">
+            <a:schemeClr val="accent1"/>
+          </a:fillRef>
+          <a:effectRef idx="0">
+            <a:schemeClr val="accent1"/>
+          </a:effectRef>
+          <a:fontRef idx="minor">
+            <a:schemeClr val="tx1"/>
+          </a:fontRef>
+        </p:style>
+      </p:cxnSp>
+      <p:cxnSp>
+        <p:nvCxnSpPr>
+          <p:cNvPr id="41" name="直线箭头连接符 40" descr="dd">
+            <a:extLst>
+              <a:ext uri="{FF2B5EF4-FFF2-40B4-BE49-F238E27FC236}">
+                <a16:creationId xmlns:a16="http://schemas.microsoft.com/office/drawing/2014/main" id="{695DED17-D2C4-D54E-8CFF-55DBD6B8FBC6}"/>
+              </a:ext>
+            </a:extLst>
+          </p:cNvPr>
+          <p:cNvCxnSpPr>
+            <a:cxnSpLocks/>
+          </p:cNvCxnSpPr>
+          <p:nvPr/>
+        </p:nvCxnSpPr>
+        <p:spPr>
+          <a:xfrm>
+            <a:off x="5665078" y="876300"/>
+            <a:ext cx="3976627" cy="450521"/>
+          </a:xfrm>
+          <a:prstGeom prst="straightConnector1">
+            <a:avLst/>
+          </a:prstGeom>
+          <a:ln w="19050">
+            <a:tailEnd type="arrow"/>
+          </a:ln>
+        </p:spPr>
+        <p:style>
+          <a:lnRef idx="1">
+            <a:schemeClr val="accent1"/>
+          </a:lnRef>
+          <a:fillRef idx="0">
+            <a:schemeClr val="accent1"/>
+          </a:fillRef>
+          <a:effectRef idx="0">
+            <a:schemeClr val="accent1"/>
+          </a:effectRef>
+          <a:fontRef idx="minor">
+            <a:schemeClr val="tx1"/>
+          </a:fontRef>
+        </p:style>
+      </p:cxnSp>
+      <p:sp>
+        <p:nvSpPr>
+          <p:cNvPr id="44" name="文本框 43">
+            <a:extLst>
+              <a:ext uri="{FF2B5EF4-FFF2-40B4-BE49-F238E27FC236}">
+                <a16:creationId xmlns:a16="http://schemas.microsoft.com/office/drawing/2014/main" id="{75C079DB-4096-9641-888E-6EA853DFD308}"/>
               </a:ext>
             </a:extLst>
           </p:cNvPr>
@@ -4300,8 +4092,8 @@
         </p:nvSpPr>
         <p:spPr>
           <a:xfrm>
-            <a:off x="4383536" y="2686709"/>
-            <a:ext cx="2749414" cy="369332"/>
+            <a:off x="2550295" y="611070"/>
+            <a:ext cx="1600200" cy="369332"/>
           </a:xfrm>
           <a:prstGeom prst="rect">
             <a:avLst/>
@@ -4315,17 +4107,1024 @@
           <a:lstStyle/>
           <a:p>
             <a:r>
-              <a:rPr kumimoji="1" lang="en-US" altLang="zh-CN" dirty="0" err="1"/>
-              <a:t>CannotVotBetween</a:t>
-            </a:r>
-            <a:r>
               <a:rPr kumimoji="1" lang="en-US" altLang="zh-CN" dirty="0"/>
-              <a:t>(b2,b)</a:t>
+              <a:t>Phase1a(b)</a:t>
             </a:r>
             <a:endParaRPr kumimoji="1" lang="zh-CN" altLang="en-US" dirty="0"/>
           </a:p>
         </p:txBody>
       </p:sp>
+      <p:sp>
+        <p:nvSpPr>
+          <p:cNvPr id="45" name="文本框 44">
+            <a:extLst>
+              <a:ext uri="{FF2B5EF4-FFF2-40B4-BE49-F238E27FC236}">
+                <a16:creationId xmlns:a16="http://schemas.microsoft.com/office/drawing/2014/main" id="{0ED9C23C-07F6-A347-A9B6-C956853E6277}"/>
+              </a:ext>
+            </a:extLst>
+          </p:cNvPr>
+          <p:cNvSpPr txBox="1"/>
+          <p:nvPr/>
+        </p:nvSpPr>
+        <p:spPr>
+          <a:xfrm>
+            <a:off x="6939680" y="675446"/>
+            <a:ext cx="1600200" cy="369332"/>
+          </a:xfrm>
+          <a:prstGeom prst="rect">
+            <a:avLst/>
+          </a:prstGeom>
+          <a:noFill/>
+        </p:spPr>
+        <p:txBody>
+          <a:bodyPr wrap="square" rtlCol="0">
+            <a:spAutoFit/>
+          </a:bodyPr>
+          <a:lstStyle/>
+          <a:p>
+            <a:r>
+              <a:rPr kumimoji="1" lang="en-US" altLang="zh-CN" dirty="0"/>
+              <a:t>Phase1a(b)</a:t>
+            </a:r>
+            <a:endParaRPr kumimoji="1" lang="zh-CN" altLang="en-US" dirty="0"/>
+          </a:p>
+        </p:txBody>
+      </p:sp>
+      <p:cxnSp>
+        <p:nvCxnSpPr>
+          <p:cNvPr id="47" name="直线箭头连接符 46" descr="dd">
+            <a:extLst>
+              <a:ext uri="{FF2B5EF4-FFF2-40B4-BE49-F238E27FC236}">
+                <a16:creationId xmlns:a16="http://schemas.microsoft.com/office/drawing/2014/main" id="{B0E7D18F-722A-3743-AFA4-5CEDE8EE1051}"/>
+              </a:ext>
+            </a:extLst>
+          </p:cNvPr>
+          <p:cNvCxnSpPr>
+            <a:cxnSpLocks/>
+          </p:cNvCxnSpPr>
+          <p:nvPr/>
+        </p:nvCxnSpPr>
+        <p:spPr>
+          <a:xfrm>
+            <a:off x="1693590" y="1398031"/>
+            <a:ext cx="3947183" cy="466239"/>
+          </a:xfrm>
+          <a:prstGeom prst="straightConnector1">
+            <a:avLst/>
+          </a:prstGeom>
+          <a:ln w="19050">
+            <a:tailEnd type="arrow"/>
+          </a:ln>
+        </p:spPr>
+        <p:style>
+          <a:lnRef idx="1">
+            <a:schemeClr val="accent1"/>
+          </a:lnRef>
+          <a:fillRef idx="0">
+            <a:schemeClr val="accent1"/>
+          </a:fillRef>
+          <a:effectRef idx="0">
+            <a:schemeClr val="accent1"/>
+          </a:effectRef>
+          <a:fontRef idx="minor">
+            <a:schemeClr val="tx1"/>
+          </a:fontRef>
+        </p:style>
+      </p:cxnSp>
+      <p:cxnSp>
+        <p:nvCxnSpPr>
+          <p:cNvPr id="48" name="直线箭头连接符 47" descr="dd">
+            <a:extLst>
+              <a:ext uri="{FF2B5EF4-FFF2-40B4-BE49-F238E27FC236}">
+                <a16:creationId xmlns:a16="http://schemas.microsoft.com/office/drawing/2014/main" id="{5BDA8B2B-6092-FE49-B505-612FF8E52FB2}"/>
+              </a:ext>
+            </a:extLst>
+          </p:cNvPr>
+          <p:cNvCxnSpPr>
+            <a:cxnSpLocks/>
+          </p:cNvCxnSpPr>
+          <p:nvPr/>
+        </p:nvCxnSpPr>
+        <p:spPr>
+          <a:xfrm flipH="1">
+            <a:off x="5679528" y="1664151"/>
+            <a:ext cx="3946633" cy="405949"/>
+          </a:xfrm>
+          <a:prstGeom prst="straightConnector1">
+            <a:avLst/>
+          </a:prstGeom>
+          <a:ln w="19050">
+            <a:tailEnd type="arrow"/>
+          </a:ln>
+        </p:spPr>
+        <p:style>
+          <a:lnRef idx="1">
+            <a:schemeClr val="accent1"/>
+          </a:lnRef>
+          <a:fillRef idx="0">
+            <a:schemeClr val="accent1"/>
+          </a:fillRef>
+          <a:effectRef idx="0">
+            <a:schemeClr val="accent1"/>
+          </a:effectRef>
+          <a:fontRef idx="minor">
+            <a:schemeClr val="tx1"/>
+          </a:fontRef>
+        </p:style>
+      </p:cxnSp>
+      <p:sp>
+        <p:nvSpPr>
+          <p:cNvPr id="50" name="文本框 49">
+            <a:extLst>
+              <a:ext uri="{FF2B5EF4-FFF2-40B4-BE49-F238E27FC236}">
+                <a16:creationId xmlns:a16="http://schemas.microsoft.com/office/drawing/2014/main" id="{FA487502-6C92-7546-8077-3DC85890F1FD}"/>
+              </a:ext>
+            </a:extLst>
+          </p:cNvPr>
+          <p:cNvSpPr txBox="1"/>
+          <p:nvPr/>
+        </p:nvSpPr>
+        <p:spPr>
+          <a:xfrm>
+            <a:off x="1442992" y="273693"/>
+            <a:ext cx="620108" cy="369332"/>
+          </a:xfrm>
+          <a:prstGeom prst="rect">
+            <a:avLst/>
+          </a:prstGeom>
+          <a:noFill/>
+        </p:spPr>
+        <p:txBody>
+          <a:bodyPr wrap="square" rtlCol="0">
+            <a:spAutoFit/>
+          </a:bodyPr>
+          <a:lstStyle/>
+          <a:p>
+            <a:r>
+              <a:rPr kumimoji="1" lang="en-US" altLang="zh-CN" dirty="0"/>
+              <a:t>a1</a:t>
+            </a:r>
+            <a:endParaRPr kumimoji="1" lang="zh-CN" altLang="en-US" dirty="0"/>
+          </a:p>
+        </p:txBody>
+      </p:sp>
+      <p:sp>
+        <p:nvSpPr>
+          <p:cNvPr id="51" name="文本框 50">
+            <a:extLst>
+              <a:ext uri="{FF2B5EF4-FFF2-40B4-BE49-F238E27FC236}">
+                <a16:creationId xmlns:a16="http://schemas.microsoft.com/office/drawing/2014/main" id="{5A8CC469-6CBE-C341-B046-CCCF27078473}"/>
+              </a:ext>
+            </a:extLst>
+          </p:cNvPr>
+          <p:cNvSpPr txBox="1"/>
+          <p:nvPr/>
+        </p:nvSpPr>
+        <p:spPr>
+          <a:xfrm>
+            <a:off x="9443544" y="221875"/>
+            <a:ext cx="620108" cy="369332"/>
+          </a:xfrm>
+          <a:prstGeom prst="rect">
+            <a:avLst/>
+          </a:prstGeom>
+          <a:noFill/>
+        </p:spPr>
+        <p:txBody>
+          <a:bodyPr wrap="square" rtlCol="0">
+            <a:spAutoFit/>
+          </a:bodyPr>
+          <a:lstStyle/>
+          <a:p>
+            <a:r>
+              <a:rPr kumimoji="1" lang="en-US" altLang="zh-CN" dirty="0"/>
+              <a:t>a2</a:t>
+            </a:r>
+            <a:endParaRPr kumimoji="1" lang="zh-CN" altLang="en-US" dirty="0"/>
+          </a:p>
+        </p:txBody>
+      </p:sp>
+      <p:sp>
+        <p:nvSpPr>
+          <p:cNvPr id="52" name="文本框 51">
+            <a:extLst>
+              <a:ext uri="{FF2B5EF4-FFF2-40B4-BE49-F238E27FC236}">
+                <a16:creationId xmlns:a16="http://schemas.microsoft.com/office/drawing/2014/main" id="{9DEAF32B-F775-D743-A34E-BF4691E00BEA}"/>
+              </a:ext>
+            </a:extLst>
+          </p:cNvPr>
+          <p:cNvSpPr txBox="1"/>
+          <p:nvPr/>
+        </p:nvSpPr>
+        <p:spPr>
+          <a:xfrm>
+            <a:off x="2548760" y="1213365"/>
+            <a:ext cx="2522477" cy="369332"/>
+          </a:xfrm>
+          <a:prstGeom prst="rect">
+            <a:avLst/>
+          </a:prstGeom>
+          <a:noFill/>
+        </p:spPr>
+        <p:txBody>
+          <a:bodyPr wrap="square" rtlCol="0">
+            <a:spAutoFit/>
+          </a:bodyPr>
+          <a:lstStyle/>
+          <a:p>
+            <a:r>
+              <a:rPr kumimoji="1" lang="en-US" altLang="zh-CN" dirty="0"/>
+              <a:t>Phase1b(a1, b, b1, v1)</a:t>
+            </a:r>
+            <a:endParaRPr kumimoji="1" lang="zh-CN" altLang="en-US" dirty="0"/>
+          </a:p>
+        </p:txBody>
+      </p:sp>
+      <p:sp>
+        <p:nvSpPr>
+          <p:cNvPr id="53" name="文本框 52">
+            <a:extLst>
+              <a:ext uri="{FF2B5EF4-FFF2-40B4-BE49-F238E27FC236}">
+                <a16:creationId xmlns:a16="http://schemas.microsoft.com/office/drawing/2014/main" id="{1069DF9D-E4CB-AB47-97E1-47797E9DEF7C}"/>
+              </a:ext>
+            </a:extLst>
+          </p:cNvPr>
+          <p:cNvSpPr txBox="1"/>
+          <p:nvPr/>
+        </p:nvSpPr>
+        <p:spPr>
+          <a:xfrm>
+            <a:off x="6386350" y="1446484"/>
+            <a:ext cx="2522477" cy="369332"/>
+          </a:xfrm>
+          <a:prstGeom prst="rect">
+            <a:avLst/>
+          </a:prstGeom>
+          <a:noFill/>
+        </p:spPr>
+        <p:txBody>
+          <a:bodyPr wrap="square" rtlCol="0">
+            <a:spAutoFit/>
+          </a:bodyPr>
+          <a:lstStyle/>
+          <a:p>
+            <a:r>
+              <a:rPr kumimoji="1" lang="en-US" altLang="zh-CN" dirty="0"/>
+              <a:t>Phase1b(a2, b, b2, v2)</a:t>
+            </a:r>
+            <a:endParaRPr kumimoji="1" lang="zh-CN" altLang="en-US" dirty="0"/>
+          </a:p>
+        </p:txBody>
+      </p:sp>
+      <p:sp>
+        <p:nvSpPr>
+          <p:cNvPr id="57" name="文本框 56">
+            <a:extLst>
+              <a:ext uri="{FF2B5EF4-FFF2-40B4-BE49-F238E27FC236}">
+                <a16:creationId xmlns:a16="http://schemas.microsoft.com/office/drawing/2014/main" id="{A24BAC6D-ADF0-7D41-AB74-AD895F4577A0}"/>
+              </a:ext>
+            </a:extLst>
+          </p:cNvPr>
+          <p:cNvSpPr txBox="1"/>
+          <p:nvPr/>
+        </p:nvSpPr>
+        <p:spPr>
+          <a:xfrm>
+            <a:off x="1955360" y="1679604"/>
+            <a:ext cx="3257775" cy="646331"/>
+          </a:xfrm>
+          <a:prstGeom prst="rect">
+            <a:avLst/>
+          </a:prstGeom>
+        </p:spPr>
+        <p:style>
+          <a:lnRef idx="2">
+            <a:schemeClr val="accent2">
+              <a:shade val="50000"/>
+            </a:schemeClr>
+          </a:lnRef>
+          <a:fillRef idx="1">
+            <a:schemeClr val="accent2"/>
+          </a:fillRef>
+          <a:effectRef idx="0">
+            <a:schemeClr val="accent2"/>
+          </a:effectRef>
+          <a:fontRef idx="minor">
+            <a:schemeClr val="lt1"/>
+          </a:fontRef>
+        </p:style>
+        <p:txBody>
+          <a:bodyPr wrap="square" rtlCol="0">
+            <a:spAutoFit/>
+          </a:bodyPr>
+          <a:lstStyle/>
+          <a:p>
+            <a:r>
+              <a:rPr kumimoji="1" lang="zh-CN" altLang="en-US" dirty="0"/>
+              <a:t>隐含：</a:t>
+            </a:r>
+            <a:r>
+              <a:rPr kumimoji="1" lang="en-US" altLang="zh-CN" dirty="0"/>
+              <a:t>SafeAt(b1, v1)</a:t>
+            </a:r>
+          </a:p>
+          <a:p>
+            <a:r>
+              <a:rPr kumimoji="1" lang="en-US" altLang="zh-CN" dirty="0"/>
+              <a:t>CannotVoteBetween(a1, b1, b)</a:t>
+            </a:r>
+          </a:p>
+        </p:txBody>
+      </p:sp>
+      <p:sp>
+        <p:nvSpPr>
+          <p:cNvPr id="58" name="文本框 57">
+            <a:extLst>
+              <a:ext uri="{FF2B5EF4-FFF2-40B4-BE49-F238E27FC236}">
+                <a16:creationId xmlns:a16="http://schemas.microsoft.com/office/drawing/2014/main" id="{F2C60C35-0268-4548-B320-CD42F34C800D}"/>
+              </a:ext>
+            </a:extLst>
+          </p:cNvPr>
+          <p:cNvSpPr txBox="1"/>
+          <p:nvPr/>
+        </p:nvSpPr>
+        <p:spPr>
+          <a:xfrm>
+            <a:off x="6053522" y="1902411"/>
+            <a:ext cx="3177193" cy="646331"/>
+          </a:xfrm>
+          <a:prstGeom prst="rect">
+            <a:avLst/>
+          </a:prstGeom>
+        </p:spPr>
+        <p:style>
+          <a:lnRef idx="2">
+            <a:schemeClr val="accent2">
+              <a:shade val="50000"/>
+            </a:schemeClr>
+          </a:lnRef>
+          <a:fillRef idx="1">
+            <a:schemeClr val="accent2"/>
+          </a:fillRef>
+          <a:effectRef idx="0">
+            <a:schemeClr val="accent2"/>
+          </a:effectRef>
+          <a:fontRef idx="minor">
+            <a:schemeClr val="lt1"/>
+          </a:fontRef>
+        </p:style>
+        <p:txBody>
+          <a:bodyPr wrap="square" rtlCol="0">
+            <a:spAutoFit/>
+          </a:bodyPr>
+          <a:lstStyle>
+            <a:defPPr>
+              <a:defRPr lang="zh-CN"/>
+            </a:defPPr>
+            <a:lvl1pPr>
+              <a:defRPr kumimoji="1">
+                <a:solidFill>
+                  <a:schemeClr val="lt1"/>
+                </a:solidFill>
+              </a:defRPr>
+            </a:lvl1pPr>
+            <a:lvl2pPr>
+              <a:defRPr>
+                <a:solidFill>
+                  <a:schemeClr val="lt1"/>
+                </a:solidFill>
+              </a:defRPr>
+            </a:lvl2pPr>
+            <a:lvl3pPr>
+              <a:defRPr>
+                <a:solidFill>
+                  <a:schemeClr val="lt1"/>
+                </a:solidFill>
+              </a:defRPr>
+            </a:lvl3pPr>
+            <a:lvl4pPr>
+              <a:defRPr>
+                <a:solidFill>
+                  <a:schemeClr val="lt1"/>
+                </a:solidFill>
+              </a:defRPr>
+            </a:lvl4pPr>
+            <a:lvl5pPr>
+              <a:defRPr>
+                <a:solidFill>
+                  <a:schemeClr val="lt1"/>
+                </a:solidFill>
+              </a:defRPr>
+            </a:lvl5pPr>
+            <a:lvl6pPr>
+              <a:defRPr>
+                <a:solidFill>
+                  <a:schemeClr val="lt1"/>
+                </a:solidFill>
+              </a:defRPr>
+            </a:lvl6pPr>
+            <a:lvl7pPr>
+              <a:defRPr>
+                <a:solidFill>
+                  <a:schemeClr val="lt1"/>
+                </a:solidFill>
+              </a:defRPr>
+            </a:lvl7pPr>
+            <a:lvl8pPr>
+              <a:defRPr>
+                <a:solidFill>
+                  <a:schemeClr val="lt1"/>
+                </a:solidFill>
+              </a:defRPr>
+            </a:lvl8pPr>
+            <a:lvl9pPr>
+              <a:defRPr>
+                <a:solidFill>
+                  <a:schemeClr val="lt1"/>
+                </a:solidFill>
+              </a:defRPr>
+            </a:lvl9pPr>
+          </a:lstStyle>
+          <a:p>
+            <a:r>
+              <a:rPr lang="zh-CN" altLang="en-US" dirty="0"/>
+              <a:t>隐含：</a:t>
+            </a:r>
+            <a:r>
+              <a:rPr lang="en-US" altLang="zh-CN" dirty="0"/>
+              <a:t>SafeAt(b2, v2)</a:t>
+            </a:r>
+          </a:p>
+          <a:p>
+            <a:r>
+              <a:rPr lang="en-US" altLang="zh-CN" dirty="0"/>
+              <a:t>CannotVoteBetween(a2, b1, b)</a:t>
+            </a:r>
+          </a:p>
+        </p:txBody>
+      </p:sp>
+      <p:cxnSp>
+        <p:nvCxnSpPr>
+          <p:cNvPr id="59" name="直线箭头连接符 58" descr="dd">
+            <a:extLst>
+              <a:ext uri="{FF2B5EF4-FFF2-40B4-BE49-F238E27FC236}">
+                <a16:creationId xmlns:a16="http://schemas.microsoft.com/office/drawing/2014/main" id="{6B51CA65-B3B3-9145-A880-54DD6D5CE54E}"/>
+              </a:ext>
+            </a:extLst>
+          </p:cNvPr>
+          <p:cNvCxnSpPr>
+            <a:cxnSpLocks/>
+          </p:cNvCxnSpPr>
+          <p:nvPr/>
+        </p:nvCxnSpPr>
+        <p:spPr>
+          <a:xfrm flipH="1">
+            <a:off x="1696984" y="3848976"/>
+            <a:ext cx="3957144" cy="303330"/>
+          </a:xfrm>
+          <a:prstGeom prst="straightConnector1">
+            <a:avLst/>
+          </a:prstGeom>
+          <a:ln w="19050">
+            <a:tailEnd type="arrow"/>
+          </a:ln>
+        </p:spPr>
+        <p:style>
+          <a:lnRef idx="1">
+            <a:schemeClr val="accent1"/>
+          </a:lnRef>
+          <a:fillRef idx="0">
+            <a:schemeClr val="accent1"/>
+          </a:fillRef>
+          <a:effectRef idx="0">
+            <a:schemeClr val="accent1"/>
+          </a:effectRef>
+          <a:fontRef idx="minor">
+            <a:schemeClr val="tx1"/>
+          </a:fontRef>
+        </p:style>
+      </p:cxnSp>
+      <p:cxnSp>
+        <p:nvCxnSpPr>
+          <p:cNvPr id="60" name="直线箭头连接符 59" descr="dd">
+            <a:extLst>
+              <a:ext uri="{FF2B5EF4-FFF2-40B4-BE49-F238E27FC236}">
+                <a16:creationId xmlns:a16="http://schemas.microsoft.com/office/drawing/2014/main" id="{D94D4ECA-A2CE-1A46-8A54-EA402C05B3DB}"/>
+              </a:ext>
+            </a:extLst>
+          </p:cNvPr>
+          <p:cNvCxnSpPr>
+            <a:cxnSpLocks/>
+          </p:cNvCxnSpPr>
+          <p:nvPr/>
+        </p:nvCxnSpPr>
+        <p:spPr>
+          <a:xfrm>
+            <a:off x="5665078" y="3927045"/>
+            <a:ext cx="3976627" cy="450521"/>
+          </a:xfrm>
+          <a:prstGeom prst="straightConnector1">
+            <a:avLst/>
+          </a:prstGeom>
+          <a:ln w="19050">
+            <a:tailEnd type="arrow"/>
+          </a:ln>
+        </p:spPr>
+        <p:style>
+          <a:lnRef idx="1">
+            <a:schemeClr val="accent1"/>
+          </a:lnRef>
+          <a:fillRef idx="0">
+            <a:schemeClr val="accent1"/>
+          </a:fillRef>
+          <a:effectRef idx="0">
+            <a:schemeClr val="accent1"/>
+          </a:effectRef>
+          <a:fontRef idx="minor">
+            <a:schemeClr val="tx1"/>
+          </a:fontRef>
+        </p:style>
+      </p:cxnSp>
+      <p:sp>
+        <p:nvSpPr>
+          <p:cNvPr id="61" name="文本框 60">
+            <a:extLst>
+              <a:ext uri="{FF2B5EF4-FFF2-40B4-BE49-F238E27FC236}">
+                <a16:creationId xmlns:a16="http://schemas.microsoft.com/office/drawing/2014/main" id="{DEDC15CF-B6D7-4947-B169-8F5711B9C8D9}"/>
+              </a:ext>
+            </a:extLst>
+          </p:cNvPr>
+          <p:cNvSpPr txBox="1"/>
+          <p:nvPr/>
+        </p:nvSpPr>
+        <p:spPr>
+          <a:xfrm>
+            <a:off x="4493064" y="2930955"/>
+            <a:ext cx="2401151" cy="646331"/>
+          </a:xfrm>
+          <a:prstGeom prst="rect">
+            <a:avLst/>
+          </a:prstGeom>
+        </p:spPr>
+        <p:style>
+          <a:lnRef idx="2">
+            <a:schemeClr val="accent2">
+              <a:shade val="50000"/>
+            </a:schemeClr>
+          </a:lnRef>
+          <a:fillRef idx="1">
+            <a:schemeClr val="accent2"/>
+          </a:fillRef>
+          <a:effectRef idx="0">
+            <a:schemeClr val="accent2"/>
+          </a:effectRef>
+          <a:fontRef idx="minor">
+            <a:schemeClr val="lt1"/>
+          </a:fontRef>
+        </p:style>
+        <p:txBody>
+          <a:bodyPr wrap="square" rtlCol="0">
+            <a:spAutoFit/>
+          </a:bodyPr>
+          <a:lstStyle/>
+          <a:p>
+            <a:r>
+              <a:rPr kumimoji="1" lang="zh-CN" altLang="en-US" dirty="0"/>
+              <a:t>假设</a:t>
+            </a:r>
+            <a:r>
+              <a:rPr kumimoji="1" lang="en-US" altLang="zh-CN" dirty="0"/>
+              <a:t>b1&gt;b2,</a:t>
+            </a:r>
+            <a:r>
+              <a:rPr kumimoji="1" lang="zh-CN" altLang="en-US" dirty="0"/>
+              <a:t>，推导出：</a:t>
+            </a:r>
+            <a:r>
+              <a:rPr kumimoji="1" lang="en-US" altLang="zh-CN" dirty="0"/>
+              <a:t>SafeAt(b, v1)</a:t>
+            </a:r>
+          </a:p>
+        </p:txBody>
+      </p:sp>
+      <p:sp>
+        <p:nvSpPr>
+          <p:cNvPr id="62" name="文本框 61">
+            <a:extLst>
+              <a:ext uri="{FF2B5EF4-FFF2-40B4-BE49-F238E27FC236}">
+                <a16:creationId xmlns:a16="http://schemas.microsoft.com/office/drawing/2014/main" id="{CAB65FD2-09E3-0E48-83F2-12ADB164F8D3}"/>
+              </a:ext>
+            </a:extLst>
+          </p:cNvPr>
+          <p:cNvSpPr txBox="1"/>
+          <p:nvPr/>
+        </p:nvSpPr>
+        <p:spPr>
+          <a:xfrm>
+            <a:off x="2690323" y="3631309"/>
+            <a:ext cx="1600200" cy="369332"/>
+          </a:xfrm>
+          <a:prstGeom prst="rect">
+            <a:avLst/>
+          </a:prstGeom>
+          <a:noFill/>
+        </p:spPr>
+        <p:txBody>
+          <a:bodyPr wrap="square" rtlCol="0">
+            <a:spAutoFit/>
+          </a:bodyPr>
+          <a:lstStyle/>
+          <a:p>
+            <a:r>
+              <a:rPr kumimoji="1" lang="en-US" altLang="zh-CN" dirty="0"/>
+              <a:t>Phase2a(b, v1)</a:t>
+            </a:r>
+            <a:endParaRPr kumimoji="1" lang="zh-CN" altLang="en-US" dirty="0"/>
+          </a:p>
+        </p:txBody>
+      </p:sp>
+      <p:sp>
+        <p:nvSpPr>
+          <p:cNvPr id="63" name="文本框 62">
+            <a:extLst>
+              <a:ext uri="{FF2B5EF4-FFF2-40B4-BE49-F238E27FC236}">
+                <a16:creationId xmlns:a16="http://schemas.microsoft.com/office/drawing/2014/main" id="{48576E12-8D89-6E49-AC3F-C0B65B119A25}"/>
+              </a:ext>
+            </a:extLst>
+          </p:cNvPr>
+          <p:cNvSpPr txBox="1"/>
+          <p:nvPr/>
+        </p:nvSpPr>
+        <p:spPr>
+          <a:xfrm>
+            <a:off x="6774784" y="3742379"/>
+            <a:ext cx="1600200" cy="369332"/>
+          </a:xfrm>
+          <a:prstGeom prst="rect">
+            <a:avLst/>
+          </a:prstGeom>
+          <a:noFill/>
+        </p:spPr>
+        <p:txBody>
+          <a:bodyPr wrap="square" rtlCol="0">
+            <a:spAutoFit/>
+          </a:bodyPr>
+          <a:lstStyle/>
+          <a:p>
+            <a:r>
+              <a:rPr kumimoji="1" lang="en-US" altLang="zh-CN" dirty="0"/>
+              <a:t>Phase2a(b, v1)</a:t>
+            </a:r>
+            <a:endParaRPr kumimoji="1" lang="zh-CN" altLang="en-US" dirty="0"/>
+          </a:p>
+        </p:txBody>
+      </p:sp>
+      <p:sp>
+        <p:nvSpPr>
+          <p:cNvPr id="64" name="文本框 63">
+            <a:extLst>
+              <a:ext uri="{FF2B5EF4-FFF2-40B4-BE49-F238E27FC236}">
+                <a16:creationId xmlns:a16="http://schemas.microsoft.com/office/drawing/2014/main" id="{68D058C9-B8D7-6946-8579-A45339752B44}"/>
+              </a:ext>
+            </a:extLst>
+          </p:cNvPr>
+          <p:cNvSpPr txBox="1"/>
+          <p:nvPr/>
+        </p:nvSpPr>
+        <p:spPr>
+          <a:xfrm>
+            <a:off x="2544817" y="4006861"/>
+            <a:ext cx="2622986" cy="369332"/>
+          </a:xfrm>
+          <a:prstGeom prst="rect">
+            <a:avLst/>
+          </a:prstGeom>
+        </p:spPr>
+        <p:style>
+          <a:lnRef idx="2">
+            <a:schemeClr val="accent2">
+              <a:shade val="50000"/>
+            </a:schemeClr>
+          </a:lnRef>
+          <a:fillRef idx="1">
+            <a:schemeClr val="accent2"/>
+          </a:fillRef>
+          <a:effectRef idx="0">
+            <a:schemeClr val="accent2"/>
+          </a:effectRef>
+          <a:fontRef idx="minor">
+            <a:schemeClr val="lt1"/>
+          </a:fontRef>
+        </p:style>
+        <p:txBody>
+          <a:bodyPr wrap="square" rtlCol="0">
+            <a:spAutoFit/>
+          </a:bodyPr>
+          <a:lstStyle/>
+          <a:p>
+            <a:r>
+              <a:rPr kumimoji="1" lang="zh-CN" altLang="en-US" dirty="0"/>
+              <a:t>隐含：</a:t>
+            </a:r>
+            <a:r>
+              <a:rPr kumimoji="1" lang="en-US" altLang="zh-CN" dirty="0"/>
+              <a:t>SafeAt(b, v1)</a:t>
+            </a:r>
+          </a:p>
+        </p:txBody>
+      </p:sp>
+      <p:sp>
+        <p:nvSpPr>
+          <p:cNvPr id="65" name="文本框 64">
+            <a:extLst>
+              <a:ext uri="{FF2B5EF4-FFF2-40B4-BE49-F238E27FC236}">
+                <a16:creationId xmlns:a16="http://schemas.microsoft.com/office/drawing/2014/main" id="{B1693A10-42A0-FD4F-BA86-CA71E3300732}"/>
+              </a:ext>
+            </a:extLst>
+          </p:cNvPr>
+          <p:cNvSpPr txBox="1"/>
+          <p:nvPr/>
+        </p:nvSpPr>
+        <p:spPr>
+          <a:xfrm>
+            <a:off x="6670416" y="4083752"/>
+            <a:ext cx="2138728" cy="369332"/>
+          </a:xfrm>
+          <a:prstGeom prst="rect">
+            <a:avLst/>
+          </a:prstGeom>
+        </p:spPr>
+        <p:style>
+          <a:lnRef idx="2">
+            <a:schemeClr val="accent2">
+              <a:shade val="50000"/>
+            </a:schemeClr>
+          </a:lnRef>
+          <a:fillRef idx="1">
+            <a:schemeClr val="accent2"/>
+          </a:fillRef>
+          <a:effectRef idx="0">
+            <a:schemeClr val="accent2"/>
+          </a:effectRef>
+          <a:fontRef idx="minor">
+            <a:schemeClr val="lt1"/>
+          </a:fontRef>
+        </p:style>
+        <p:txBody>
+          <a:bodyPr wrap="square" rtlCol="0">
+            <a:spAutoFit/>
+          </a:bodyPr>
+          <a:lstStyle/>
+          <a:p>
+            <a:r>
+              <a:rPr kumimoji="1" lang="zh-CN" altLang="en-US" dirty="0"/>
+              <a:t>隐含：</a:t>
+            </a:r>
+            <a:r>
+              <a:rPr kumimoji="1" lang="en-US" altLang="zh-CN" dirty="0"/>
+              <a:t>SafeAt(b, v1)</a:t>
+            </a:r>
+          </a:p>
+        </p:txBody>
+      </p:sp>
+      <p:cxnSp>
+        <p:nvCxnSpPr>
+          <p:cNvPr id="66" name="直线箭头连接符 65" descr="dd">
+            <a:extLst>
+              <a:ext uri="{FF2B5EF4-FFF2-40B4-BE49-F238E27FC236}">
+                <a16:creationId xmlns:a16="http://schemas.microsoft.com/office/drawing/2014/main" id="{D87C28AE-4F14-814B-BBC1-390EA86CDDBE}"/>
+              </a:ext>
+            </a:extLst>
+          </p:cNvPr>
+          <p:cNvCxnSpPr>
+            <a:cxnSpLocks/>
+          </p:cNvCxnSpPr>
+          <p:nvPr/>
+        </p:nvCxnSpPr>
+        <p:spPr>
+          <a:xfrm>
+            <a:off x="1681543" y="4764396"/>
+            <a:ext cx="3947183" cy="466239"/>
+          </a:xfrm>
+          <a:prstGeom prst="straightConnector1">
+            <a:avLst/>
+          </a:prstGeom>
+          <a:ln w="19050">
+            <a:tailEnd type="arrow"/>
+          </a:ln>
+        </p:spPr>
+        <p:style>
+          <a:lnRef idx="1">
+            <a:schemeClr val="accent1"/>
+          </a:lnRef>
+          <a:fillRef idx="0">
+            <a:schemeClr val="accent1"/>
+          </a:fillRef>
+          <a:effectRef idx="0">
+            <a:schemeClr val="accent1"/>
+          </a:effectRef>
+          <a:fontRef idx="minor">
+            <a:schemeClr val="tx1"/>
+          </a:fontRef>
+        </p:style>
+      </p:cxnSp>
+      <p:cxnSp>
+        <p:nvCxnSpPr>
+          <p:cNvPr id="67" name="直线箭头连接符 66" descr="dd">
+            <a:extLst>
+              <a:ext uri="{FF2B5EF4-FFF2-40B4-BE49-F238E27FC236}">
+                <a16:creationId xmlns:a16="http://schemas.microsoft.com/office/drawing/2014/main" id="{8885A286-199C-D147-8440-793698B16D10}"/>
+              </a:ext>
+            </a:extLst>
+          </p:cNvPr>
+          <p:cNvCxnSpPr>
+            <a:cxnSpLocks/>
+          </p:cNvCxnSpPr>
+          <p:nvPr/>
+        </p:nvCxnSpPr>
+        <p:spPr>
+          <a:xfrm flipH="1">
+            <a:off x="5679527" y="5018086"/>
+            <a:ext cx="3946633" cy="405949"/>
+          </a:xfrm>
+          <a:prstGeom prst="straightConnector1">
+            <a:avLst/>
+          </a:prstGeom>
+          <a:ln w="19050">
+            <a:tailEnd type="arrow"/>
+          </a:ln>
+        </p:spPr>
+        <p:style>
+          <a:lnRef idx="1">
+            <a:schemeClr val="accent1"/>
+          </a:lnRef>
+          <a:fillRef idx="0">
+            <a:schemeClr val="accent1"/>
+          </a:fillRef>
+          <a:effectRef idx="0">
+            <a:schemeClr val="accent1"/>
+          </a:effectRef>
+          <a:fontRef idx="minor">
+            <a:schemeClr val="tx1"/>
+          </a:fontRef>
+        </p:style>
+      </p:cxnSp>
+      <p:sp>
+        <p:nvSpPr>
+          <p:cNvPr id="68" name="文本框 67">
+            <a:extLst>
+              <a:ext uri="{FF2B5EF4-FFF2-40B4-BE49-F238E27FC236}">
+                <a16:creationId xmlns:a16="http://schemas.microsoft.com/office/drawing/2014/main" id="{51D5DDFA-0BDB-6147-8E9C-633119FCA7BE}"/>
+              </a:ext>
+            </a:extLst>
+          </p:cNvPr>
+          <p:cNvSpPr txBox="1"/>
+          <p:nvPr/>
+        </p:nvSpPr>
+        <p:spPr>
+          <a:xfrm>
+            <a:off x="2532553" y="4634781"/>
+            <a:ext cx="2075141" cy="369332"/>
+          </a:xfrm>
+          <a:prstGeom prst="rect">
+            <a:avLst/>
+          </a:prstGeom>
+          <a:noFill/>
+        </p:spPr>
+        <p:txBody>
+          <a:bodyPr wrap="square" rtlCol="0">
+            <a:spAutoFit/>
+          </a:bodyPr>
+          <a:lstStyle/>
+          <a:p>
+            <a:r>
+              <a:rPr kumimoji="1" lang="en-US" altLang="zh-CN" dirty="0"/>
+              <a:t>Phase2b(a1, b, v1)</a:t>
+            </a:r>
+            <a:endParaRPr kumimoji="1" lang="zh-CN" altLang="en-US" dirty="0"/>
+          </a:p>
+        </p:txBody>
+      </p:sp>
+      <p:sp>
+        <p:nvSpPr>
+          <p:cNvPr id="69" name="文本框 68">
+            <a:extLst>
+              <a:ext uri="{FF2B5EF4-FFF2-40B4-BE49-F238E27FC236}">
+                <a16:creationId xmlns:a16="http://schemas.microsoft.com/office/drawing/2014/main" id="{D0F00D71-B1B3-5744-A9D9-1CCE76E3E3B3}"/>
+              </a:ext>
+            </a:extLst>
+          </p:cNvPr>
+          <p:cNvSpPr txBox="1"/>
+          <p:nvPr/>
+        </p:nvSpPr>
+        <p:spPr>
+          <a:xfrm>
+            <a:off x="6551649" y="4897934"/>
+            <a:ext cx="2046469" cy="369332"/>
+          </a:xfrm>
+          <a:prstGeom prst="rect">
+            <a:avLst/>
+          </a:prstGeom>
+          <a:noFill/>
+        </p:spPr>
+        <p:txBody>
+          <a:bodyPr wrap="square" rtlCol="0">
+            <a:spAutoFit/>
+          </a:bodyPr>
+          <a:lstStyle/>
+          <a:p>
+            <a:r>
+              <a:rPr kumimoji="1" lang="en-US" altLang="zh-CN" dirty="0"/>
+              <a:t>Phase2b(a2, b, v1)</a:t>
+            </a:r>
+            <a:endParaRPr kumimoji="1" lang="zh-CN" altLang="en-US" dirty="0"/>
+          </a:p>
+        </p:txBody>
+      </p:sp>
+      <p:cxnSp>
+        <p:nvCxnSpPr>
+          <p:cNvPr id="73" name="直线箭头连接符 72" descr="dd">
+            <a:extLst>
+              <a:ext uri="{FF2B5EF4-FFF2-40B4-BE49-F238E27FC236}">
+                <a16:creationId xmlns:a16="http://schemas.microsoft.com/office/drawing/2014/main" id="{36A6F737-82FC-4E40-875A-1F12D79DAE1B}"/>
+              </a:ext>
+            </a:extLst>
+          </p:cNvPr>
+          <p:cNvCxnSpPr>
+            <a:cxnSpLocks/>
+          </p:cNvCxnSpPr>
+          <p:nvPr/>
+        </p:nvCxnSpPr>
+        <p:spPr>
+          <a:xfrm>
+            <a:off x="4810103" y="2381270"/>
+            <a:ext cx="574697" cy="530112"/>
+          </a:xfrm>
+          <a:prstGeom prst="straightConnector1">
+            <a:avLst/>
+          </a:prstGeom>
+          <a:ln w="19050">
+            <a:prstDash val="sysDash"/>
+            <a:tailEnd type="arrow"/>
+          </a:ln>
+        </p:spPr>
+        <p:style>
+          <a:lnRef idx="1">
+            <a:schemeClr val="accent1"/>
+          </a:lnRef>
+          <a:fillRef idx="0">
+            <a:schemeClr val="accent1"/>
+          </a:fillRef>
+          <a:effectRef idx="0">
+            <a:schemeClr val="accent1"/>
+          </a:effectRef>
+          <a:fontRef idx="minor">
+            <a:schemeClr val="tx1"/>
+          </a:fontRef>
+        </p:style>
+      </p:cxnSp>
+      <p:cxnSp>
+        <p:nvCxnSpPr>
+          <p:cNvPr id="76" name="直线箭头连接符 75" descr="dd">
+            <a:extLst>
+              <a:ext uri="{FF2B5EF4-FFF2-40B4-BE49-F238E27FC236}">
+                <a16:creationId xmlns:a16="http://schemas.microsoft.com/office/drawing/2014/main" id="{4777756F-FC4E-C043-A33F-D93C5DC2B3C9}"/>
+              </a:ext>
+            </a:extLst>
+          </p:cNvPr>
+          <p:cNvCxnSpPr>
+            <a:cxnSpLocks/>
+          </p:cNvCxnSpPr>
+          <p:nvPr/>
+        </p:nvCxnSpPr>
+        <p:spPr>
+          <a:xfrm flipH="1">
+            <a:off x="5854040" y="2548742"/>
+            <a:ext cx="880902" cy="364807"/>
+          </a:xfrm>
+          <a:prstGeom prst="straightConnector1">
+            <a:avLst/>
+          </a:prstGeom>
+          <a:ln w="19050">
+            <a:prstDash val="sysDash"/>
+            <a:tailEnd type="arrow"/>
+          </a:ln>
+        </p:spPr>
+        <p:style>
+          <a:lnRef idx="1">
+            <a:schemeClr val="accent1"/>
+          </a:lnRef>
+          <a:fillRef idx="0">
+            <a:schemeClr val="accent1"/>
+          </a:fillRef>
+          <a:effectRef idx="0">
+            <a:schemeClr val="accent1"/>
+          </a:effectRef>
+          <a:fontRef idx="minor">
+            <a:schemeClr val="tx1"/>
+          </a:fontRef>
+        </p:style>
+      </p:cxnSp>
     </p:spTree>
     <p:extLst>
       <p:ext uri="{BB962C8B-B14F-4D97-AF65-F5344CB8AC3E}">

--- a/drawings.pptx
+++ b/drawings.pptx
@@ -3145,7 +3145,7 @@
         </p:nvCxnSpPr>
         <p:spPr>
           <a:xfrm>
-            <a:off x="1399350" y="1793597"/>
+            <a:off x="2161350" y="2060297"/>
             <a:ext cx="0" cy="1174186"/>
           </a:xfrm>
           <a:prstGeom prst="line">
@@ -3188,8 +3188,8 @@
         </p:nvCxnSpPr>
         <p:spPr>
           <a:xfrm>
-            <a:off x="1394270" y="629571"/>
-            <a:ext cx="0" cy="1174186"/>
+            <a:off x="2156270" y="431800"/>
+            <a:ext cx="0" cy="1638657"/>
           </a:xfrm>
           <a:prstGeom prst="line">
             <a:avLst/>
@@ -3233,7 +3233,7 @@
         </p:nvCxnSpPr>
         <p:spPr>
           <a:xfrm>
-            <a:off x="4003698" y="2132466"/>
+            <a:off x="5210198" y="2361066"/>
             <a:ext cx="0" cy="835317"/>
           </a:xfrm>
           <a:prstGeom prst="line">
@@ -3275,9 +3275,9 @@
           <p:nvPr/>
         </p:nvCxnSpPr>
         <p:spPr>
-          <a:xfrm flipH="1">
-            <a:off x="4003698" y="619411"/>
-            <a:ext cx="5080" cy="1513055"/>
+          <a:xfrm>
+            <a:off x="5210198" y="431800"/>
+            <a:ext cx="0" cy="1929615"/>
           </a:xfrm>
           <a:prstGeom prst="line">
             <a:avLst/>
@@ -3321,7 +3321,7 @@
         </p:nvCxnSpPr>
         <p:spPr>
           <a:xfrm>
-            <a:off x="6477443" y="2549026"/>
+            <a:off x="8166543" y="2777626"/>
             <a:ext cx="0" cy="418757"/>
           </a:xfrm>
           <a:prstGeom prst="line">
@@ -3364,8 +3364,8 @@
         </p:nvCxnSpPr>
         <p:spPr>
           <a:xfrm>
-            <a:off x="6473142" y="619411"/>
-            <a:ext cx="0" cy="1929615"/>
+            <a:off x="8162242" y="431800"/>
+            <a:ext cx="0" cy="2346175"/>
           </a:xfrm>
           <a:prstGeom prst="line">
             <a:avLst/>
@@ -3395,10 +3395,10 @@
       </p:cxnSp>
       <p:sp>
         <p:nvSpPr>
-          <p:cNvPr id="45" name="文本框 44">
-            <a:extLst>
-              <a:ext uri="{FF2B5EF4-FFF2-40B4-BE49-F238E27FC236}">
-                <a16:creationId xmlns:a16="http://schemas.microsoft.com/office/drawing/2014/main" id="{4BAA5DD3-26DF-074D-A3D1-0BB009E17170}"/>
+          <p:cNvPr id="46" name="文本框 45">
+            <a:extLst>
+              <a:ext uri="{FF2B5EF4-FFF2-40B4-BE49-F238E27FC236}">
+                <a16:creationId xmlns:a16="http://schemas.microsoft.com/office/drawing/2014/main" id="{F088F97F-4C81-AF4F-9C6C-38AE2EBD0075}"/>
               </a:ext>
             </a:extLst>
           </p:cNvPr>
@@ -3407,7 +3407,7 @@
         </p:nvSpPr>
         <p:spPr>
           <a:xfrm>
-            <a:off x="1216470" y="265319"/>
+            <a:off x="5000834" y="97608"/>
             <a:ext cx="467360" cy="369332"/>
           </a:xfrm>
           <a:prstGeom prst="rect">
@@ -3423,7 +3423,7 @@
           <a:p>
             <a:r>
               <a:rPr kumimoji="1" lang="en-US" altLang="zh-CN" dirty="0"/>
-              <a:t>a1</a:t>
+              <a:t>a2</a:t>
             </a:r>
             <a:endParaRPr kumimoji="1" lang="zh-CN" altLang="en-US" dirty="0"/>
           </a:p>
@@ -3431,10 +3431,10 @@
       </p:sp>
       <p:sp>
         <p:nvSpPr>
-          <p:cNvPr id="46" name="文本框 45">
-            <a:extLst>
-              <a:ext uri="{FF2B5EF4-FFF2-40B4-BE49-F238E27FC236}">
-                <a16:creationId xmlns:a16="http://schemas.microsoft.com/office/drawing/2014/main" id="{F088F97F-4C81-AF4F-9C6C-38AE2EBD0075}"/>
+          <p:cNvPr id="47" name="文本框 46">
+            <a:extLst>
+              <a:ext uri="{FF2B5EF4-FFF2-40B4-BE49-F238E27FC236}">
+                <a16:creationId xmlns:a16="http://schemas.microsoft.com/office/drawing/2014/main" id="{D1A17079-7C12-DA40-88F4-35FD28AF1A66}"/>
               </a:ext>
             </a:extLst>
           </p:cNvPr>
@@ -3443,43 +3443,7 @@
         </p:nvSpPr>
         <p:spPr>
           <a:xfrm>
-            <a:off x="3865783" y="274478"/>
-            <a:ext cx="467360" cy="369332"/>
-          </a:xfrm>
-          <a:prstGeom prst="rect">
-            <a:avLst/>
-          </a:prstGeom>
-          <a:noFill/>
-        </p:spPr>
-        <p:txBody>
-          <a:bodyPr wrap="square" rtlCol="0">
-            <a:spAutoFit/>
-          </a:bodyPr>
-          <a:lstStyle/>
-          <a:p>
-            <a:r>
-              <a:rPr kumimoji="1" lang="en-US" altLang="zh-CN" dirty="0"/>
-              <a:t>a2</a:t>
-            </a:r>
-            <a:endParaRPr kumimoji="1" lang="zh-CN" altLang="en-US" dirty="0"/>
-          </a:p>
-        </p:txBody>
-      </p:sp>
-      <p:sp>
-        <p:nvSpPr>
-          <p:cNvPr id="47" name="文本框 46">
-            <a:extLst>
-              <a:ext uri="{FF2B5EF4-FFF2-40B4-BE49-F238E27FC236}">
-                <a16:creationId xmlns:a16="http://schemas.microsoft.com/office/drawing/2014/main" id="{D1A17079-7C12-DA40-88F4-35FD28AF1A66}"/>
-              </a:ext>
-            </a:extLst>
-          </p:cNvPr>
-          <p:cNvSpPr txBox="1"/>
-          <p:nvPr/>
-        </p:nvSpPr>
-        <p:spPr>
-          <a:xfrm>
-            <a:off x="6311619" y="274478"/>
+            <a:off x="8000719" y="120930"/>
             <a:ext cx="467360" cy="369332"/>
           </a:xfrm>
           <a:prstGeom prst="rect">
@@ -3517,8 +3481,8 @@
         </p:nvCxnSpPr>
         <p:spPr>
           <a:xfrm>
-            <a:off x="957390" y="643810"/>
-            <a:ext cx="6120744" cy="0"/>
+            <a:off x="855129" y="440610"/>
+            <a:ext cx="8530171" cy="0"/>
           </a:xfrm>
           <a:prstGeom prst="line">
             <a:avLst/>
@@ -3556,8 +3520,8 @@
         </p:nvSpPr>
         <p:spPr>
           <a:xfrm>
-            <a:off x="376001" y="1884740"/>
-            <a:ext cx="1499922" cy="369332"/>
+            <a:off x="1138001" y="2151440"/>
+            <a:ext cx="1499922" cy="646331"/>
           </a:xfrm>
           <a:prstGeom prst="rect">
             <a:avLst/>
@@ -3571,6 +3535,10 @@
           <a:lstStyle/>
           <a:p>
             <a:r>
+              <a:rPr kumimoji="1" lang="zh-CN" altLang="en-US" dirty="0"/>
+              <a:t>转达：</a:t>
+            </a:r>
+            <a:r>
               <a:rPr kumimoji="1" lang="en-US" altLang="zh-CN" dirty="0"/>
               <a:t>SafeAt(b1,v1)</a:t>
             </a:r>
@@ -3592,8 +3560,8 @@
         </p:nvSpPr>
         <p:spPr>
           <a:xfrm>
-            <a:off x="207429" y="1006606"/>
-            <a:ext cx="3017994" cy="369332"/>
+            <a:off x="719665" y="534170"/>
+            <a:ext cx="3017994" cy="646331"/>
           </a:xfrm>
           <a:prstGeom prst="rect">
             <a:avLst/>
@@ -3607,6 +3575,16 @@
           <a:lstStyle/>
           <a:p>
             <a:r>
+              <a:rPr kumimoji="1" lang="zh-CN" altLang="en-US" dirty="0"/>
+              <a:t>承诺</a:t>
+            </a:r>
+            <a:r>
+              <a:rPr kumimoji="1" lang="en-US" altLang="zh-CN" dirty="0"/>
+              <a:t>:</a:t>
+            </a:r>
+          </a:p>
+          <a:p>
+            <a:r>
               <a:rPr kumimoji="1" lang="en-US" altLang="zh-CN" dirty="0"/>
               <a:t>CannotVoteBetween(a1,b1,b)</a:t>
             </a:r>
@@ -3628,8 +3606,8 @@
         </p:nvSpPr>
         <p:spPr>
           <a:xfrm>
-            <a:off x="2501462" y="1444189"/>
-            <a:ext cx="3100551" cy="369332"/>
+            <a:off x="3819324" y="1367287"/>
+            <a:ext cx="3100551" cy="646331"/>
           </a:xfrm>
           <a:prstGeom prst="rect">
             <a:avLst/>
@@ -3643,6 +3621,10 @@
           <a:lstStyle/>
           <a:p>
             <a:r>
+              <a:rPr kumimoji="1" lang="zh-CN" altLang="en-US" dirty="0"/>
+              <a:t>承诺：</a:t>
+            </a:r>
+            <a:r>
               <a:rPr kumimoji="1" lang="en-US" altLang="zh-CN" dirty="0"/>
               <a:t>CannotVoteBetween(a2, b2,b)</a:t>
             </a:r>
@@ -3664,8 +3646,8 @@
         </p:nvSpPr>
         <p:spPr>
           <a:xfrm>
-            <a:off x="5009637" y="968987"/>
-            <a:ext cx="3100551" cy="369332"/>
+            <a:off x="6708770" y="587311"/>
+            <a:ext cx="3100551" cy="646331"/>
           </a:xfrm>
           <a:prstGeom prst="rect">
             <a:avLst/>
@@ -3679,6 +3661,10 @@
           <a:lstStyle/>
           <a:p>
             <a:r>
+              <a:rPr kumimoji="1" lang="zh-CN" altLang="en-US" dirty="0"/>
+              <a:t>承诺：</a:t>
+            </a:r>
+            <a:r>
               <a:rPr kumimoji="1" lang="en-US" altLang="zh-CN" dirty="0"/>
               <a:t>CannotVoteBetween(a3,b3,b)</a:t>
             </a:r>
@@ -3700,8 +3686,8 @@
         </p:nvSpPr>
         <p:spPr>
           <a:xfrm>
-            <a:off x="3253737" y="2180149"/>
-            <a:ext cx="1499922" cy="369332"/>
+            <a:off x="4460237" y="2474605"/>
+            <a:ext cx="1499922" cy="646331"/>
           </a:xfrm>
           <a:prstGeom prst="rect">
             <a:avLst/>
@@ -3715,8 +3701,12 @@
           <a:lstStyle/>
           <a:p>
             <a:r>
+              <a:rPr kumimoji="1" lang="zh-CN" altLang="en-US" dirty="0"/>
+              <a:t>转达</a:t>
+            </a:r>
+            <a:r>
               <a:rPr kumimoji="1" lang="en-US" altLang="zh-CN" dirty="0"/>
-              <a:t>SafeAt(b2,v2)</a:t>
+              <a:t>: SafeAt(b2,v2)</a:t>
             </a:r>
             <a:endParaRPr kumimoji="1" lang="zh-CN" altLang="en-US" dirty="0"/>
           </a:p>
@@ -3736,8 +3726,8 @@
         </p:nvSpPr>
         <p:spPr>
           <a:xfrm>
-            <a:off x="5561658" y="2573738"/>
-            <a:ext cx="1499922" cy="369332"/>
+            <a:off x="7412281" y="2679187"/>
+            <a:ext cx="1499922" cy="646331"/>
           </a:xfrm>
           <a:prstGeom prst="rect">
             <a:avLst/>
@@ -3751,8 +3741,12 @@
           <a:lstStyle/>
           <a:p>
             <a:r>
+              <a:rPr kumimoji="1" lang="zh-CN" altLang="en-US" dirty="0"/>
+              <a:t>转达</a:t>
+            </a:r>
+            <a:r>
               <a:rPr kumimoji="1" lang="en-US" altLang="zh-CN" dirty="0"/>
-              <a:t>SafeAt(b3,v3)</a:t>
+              <a:t>: SafeAt(b3,v3)</a:t>
             </a:r>
             <a:endParaRPr kumimoji="1" lang="zh-CN" altLang="en-US" dirty="0"/>
           </a:p>
@@ -3773,9 +3767,9 @@
           <p:nvPr/>
         </p:nvCxnSpPr>
         <p:spPr>
-          <a:xfrm>
-            <a:off x="1115433" y="1817855"/>
-            <a:ext cx="6120744" cy="0"/>
+          <a:xfrm flipV="1">
+            <a:off x="855129" y="2070457"/>
+            <a:ext cx="2523071" cy="14098"/>
           </a:xfrm>
           <a:prstGeom prst="line">
             <a:avLst/>
@@ -3799,6 +3793,232 @@
           </a:fontRef>
         </p:style>
       </p:cxnSp>
+      <p:cxnSp>
+        <p:nvCxnSpPr>
+          <p:cNvPr id="39" name="直线连接符 38">
+            <a:extLst>
+              <a:ext uri="{FF2B5EF4-FFF2-40B4-BE49-F238E27FC236}">
+                <a16:creationId xmlns:a16="http://schemas.microsoft.com/office/drawing/2014/main" id="{5648E36C-BAD9-0A46-820E-C3392CEC7B2D}"/>
+              </a:ext>
+            </a:extLst>
+          </p:cNvPr>
+          <p:cNvCxnSpPr>
+            <a:cxnSpLocks/>
+          </p:cNvCxnSpPr>
+          <p:nvPr/>
+        </p:nvCxnSpPr>
+        <p:spPr>
+          <a:xfrm>
+            <a:off x="3819324" y="2341311"/>
+            <a:ext cx="2819464" cy="6499"/>
+          </a:xfrm>
+          <a:prstGeom prst="line">
+            <a:avLst/>
+          </a:prstGeom>
+          <a:ln>
+            <a:prstDash val="dash"/>
+          </a:ln>
+        </p:spPr>
+        <p:style>
+          <a:lnRef idx="1">
+            <a:schemeClr val="accent1"/>
+          </a:lnRef>
+          <a:fillRef idx="0">
+            <a:schemeClr val="accent1"/>
+          </a:fillRef>
+          <a:effectRef idx="0">
+            <a:schemeClr val="accent1"/>
+          </a:effectRef>
+          <a:fontRef idx="minor">
+            <a:schemeClr val="tx1"/>
+          </a:fontRef>
+        </p:style>
+      </p:cxnSp>
+      <p:cxnSp>
+        <p:nvCxnSpPr>
+          <p:cNvPr id="44" name="直线连接符 43">
+            <a:extLst>
+              <a:ext uri="{FF2B5EF4-FFF2-40B4-BE49-F238E27FC236}">
+                <a16:creationId xmlns:a16="http://schemas.microsoft.com/office/drawing/2014/main" id="{DC7E9B0D-6547-BF45-BF66-EF3A2013D597}"/>
+              </a:ext>
+            </a:extLst>
+          </p:cNvPr>
+          <p:cNvCxnSpPr>
+            <a:cxnSpLocks/>
+          </p:cNvCxnSpPr>
+          <p:nvPr/>
+        </p:nvCxnSpPr>
+        <p:spPr>
+          <a:xfrm>
+            <a:off x="6708770" y="2774376"/>
+            <a:ext cx="2819464" cy="6499"/>
+          </a:xfrm>
+          <a:prstGeom prst="line">
+            <a:avLst/>
+          </a:prstGeom>
+          <a:ln>
+            <a:prstDash val="dash"/>
+          </a:ln>
+        </p:spPr>
+        <p:style>
+          <a:lnRef idx="1">
+            <a:schemeClr val="accent1"/>
+          </a:lnRef>
+          <a:fillRef idx="0">
+            <a:schemeClr val="accent1"/>
+          </a:fillRef>
+          <a:effectRef idx="0">
+            <a:schemeClr val="accent1"/>
+          </a:effectRef>
+          <a:fontRef idx="minor">
+            <a:schemeClr val="tx1"/>
+          </a:fontRef>
+        </p:style>
+      </p:cxnSp>
+      <p:sp>
+        <p:nvSpPr>
+          <p:cNvPr id="48" name="文本框 47">
+            <a:extLst>
+              <a:ext uri="{FF2B5EF4-FFF2-40B4-BE49-F238E27FC236}">
+                <a16:creationId xmlns:a16="http://schemas.microsoft.com/office/drawing/2014/main" id="{D2B2ECCB-2868-924A-9135-5DF956F0FB61}"/>
+              </a:ext>
+            </a:extLst>
+          </p:cNvPr>
+          <p:cNvSpPr txBox="1"/>
+          <p:nvPr/>
+        </p:nvSpPr>
+        <p:spPr>
+          <a:xfrm>
+            <a:off x="533935" y="244174"/>
+            <a:ext cx="467360" cy="369332"/>
+          </a:xfrm>
+          <a:prstGeom prst="rect">
+            <a:avLst/>
+          </a:prstGeom>
+          <a:noFill/>
+        </p:spPr>
+        <p:txBody>
+          <a:bodyPr wrap="square" rtlCol="0">
+            <a:spAutoFit/>
+          </a:bodyPr>
+          <a:lstStyle/>
+          <a:p>
+            <a:r>
+              <a:rPr kumimoji="1" lang="en-US" altLang="zh-CN" dirty="0"/>
+              <a:t>b</a:t>
+            </a:r>
+            <a:endParaRPr kumimoji="1" lang="zh-CN" altLang="en-US" dirty="0"/>
+          </a:p>
+        </p:txBody>
+      </p:sp>
+      <p:sp>
+        <p:nvSpPr>
+          <p:cNvPr id="49" name="文本框 48">
+            <a:extLst>
+              <a:ext uri="{FF2B5EF4-FFF2-40B4-BE49-F238E27FC236}">
+                <a16:creationId xmlns:a16="http://schemas.microsoft.com/office/drawing/2014/main" id="{EA3D4AE9-93CD-CD46-92F1-6EDC9080EEA6}"/>
+              </a:ext>
+            </a:extLst>
+          </p:cNvPr>
+          <p:cNvSpPr txBox="1"/>
+          <p:nvPr/>
+        </p:nvSpPr>
+        <p:spPr>
+          <a:xfrm>
+            <a:off x="494001" y="1892840"/>
+            <a:ext cx="467360" cy="369332"/>
+          </a:xfrm>
+          <a:prstGeom prst="rect">
+            <a:avLst/>
+          </a:prstGeom>
+          <a:noFill/>
+        </p:spPr>
+        <p:txBody>
+          <a:bodyPr wrap="square" rtlCol="0">
+            <a:spAutoFit/>
+          </a:bodyPr>
+          <a:lstStyle/>
+          <a:p>
+            <a:r>
+              <a:rPr kumimoji="1" lang="en-US" altLang="zh-CN" dirty="0"/>
+              <a:t>b1</a:t>
+            </a:r>
+            <a:endParaRPr kumimoji="1" lang="zh-CN" altLang="en-US" dirty="0"/>
+          </a:p>
+        </p:txBody>
+      </p:sp>
+      <p:sp>
+        <p:nvSpPr>
+          <p:cNvPr id="52" name="文本框 51">
+            <a:extLst>
+              <a:ext uri="{FF2B5EF4-FFF2-40B4-BE49-F238E27FC236}">
+                <a16:creationId xmlns:a16="http://schemas.microsoft.com/office/drawing/2014/main" id="{AE20D167-C4BF-304F-AC98-8FFA49824E92}"/>
+              </a:ext>
+            </a:extLst>
+          </p:cNvPr>
+          <p:cNvSpPr txBox="1"/>
+          <p:nvPr/>
+        </p:nvSpPr>
+        <p:spPr>
+          <a:xfrm>
+            <a:off x="3464934" y="2176400"/>
+            <a:ext cx="467360" cy="369332"/>
+          </a:xfrm>
+          <a:prstGeom prst="rect">
+            <a:avLst/>
+          </a:prstGeom>
+          <a:noFill/>
+        </p:spPr>
+        <p:txBody>
+          <a:bodyPr wrap="square" rtlCol="0">
+            <a:spAutoFit/>
+          </a:bodyPr>
+          <a:lstStyle/>
+          <a:p>
+            <a:r>
+              <a:rPr kumimoji="1" lang="en-US" altLang="zh-CN" dirty="0"/>
+              <a:t>b2</a:t>
+            </a:r>
+            <a:endParaRPr kumimoji="1" lang="zh-CN" altLang="en-US" dirty="0"/>
+          </a:p>
+        </p:txBody>
+      </p:sp>
+      <p:sp>
+        <p:nvSpPr>
+          <p:cNvPr id="59" name="文本框 58">
+            <a:extLst>
+              <a:ext uri="{FF2B5EF4-FFF2-40B4-BE49-F238E27FC236}">
+                <a16:creationId xmlns:a16="http://schemas.microsoft.com/office/drawing/2014/main" id="{9C061D7E-EC5A-EA48-8A05-2332B0CD8650}"/>
+              </a:ext>
+            </a:extLst>
+          </p:cNvPr>
+          <p:cNvSpPr txBox="1"/>
+          <p:nvPr/>
+        </p:nvSpPr>
+        <p:spPr>
+          <a:xfrm>
+            <a:off x="6428641" y="2576922"/>
+            <a:ext cx="467360" cy="369332"/>
+          </a:xfrm>
+          <a:prstGeom prst="rect">
+            <a:avLst/>
+          </a:prstGeom>
+          <a:noFill/>
+        </p:spPr>
+        <p:txBody>
+          <a:bodyPr wrap="square" rtlCol="0">
+            <a:spAutoFit/>
+          </a:bodyPr>
+          <a:lstStyle/>
+          <a:p>
+            <a:r>
+              <a:rPr kumimoji="1" lang="en-US" altLang="zh-CN" dirty="0"/>
+              <a:t>b3</a:t>
+            </a:r>
+            <a:endParaRPr kumimoji="1" lang="zh-CN" altLang="en-US" dirty="0"/>
+          </a:p>
+        </p:txBody>
+      </p:sp>
     </p:spTree>
     <p:extLst>
       <p:ext uri="{BB962C8B-B14F-4D97-AF65-F5344CB8AC3E}">
@@ -4419,10 +4639,6 @@
           </a:bodyPr>
           <a:lstStyle/>
           <a:p>
-            <a:r>
-              <a:rPr kumimoji="1" lang="zh-CN" altLang="en-US" dirty="0"/>
-              <a:t>隐含：</a:t>
-            </a:r>
             <a:r>
               <a:rPr kumimoji="1" lang="en-US" altLang="zh-CN" dirty="0"/>
               <a:t>SafeAt(b1, v1)</a:t>
@@ -4547,10 +4763,6 @@
           </a:lstStyle>
           <a:p>
             <a:r>
-              <a:rPr lang="zh-CN" altLang="en-US" dirty="0"/>
-              <a:t>隐含：</a:t>
-            </a:r>
-            <a:r>
               <a:rPr lang="en-US" altLang="zh-CN" dirty="0"/>
               <a:t>SafeAt(b2, v2)</a:t>
             </a:r>
@@ -5064,6 +5276,9 @@
             <a:avLst/>
           </a:prstGeom>
           <a:ln w="19050">
+            <a:solidFill>
+              <a:schemeClr val="accent2"/>
+            </a:solidFill>
             <a:prstDash val="sysDash"/>
             <a:tailEnd type="arrow"/>
           </a:ln>
@@ -5106,6 +5321,9 @@
             <a:avLst/>
           </a:prstGeom>
           <a:ln w="19050">
+            <a:solidFill>
+              <a:schemeClr val="accent2"/>
+            </a:solidFill>
             <a:prstDash val="sysDash"/>
             <a:tailEnd type="arrow"/>
           </a:ln>

--- a/drawings.pptx
+++ b/drawings.pptx
@@ -3145,7 +3145,7 @@
         </p:nvCxnSpPr>
         <p:spPr>
           <a:xfrm>
-            <a:off x="2161350" y="2060297"/>
+            <a:off x="2897950" y="2060297"/>
             <a:ext cx="0" cy="1174186"/>
           </a:xfrm>
           <a:prstGeom prst="line">
@@ -3188,7 +3188,7 @@
         </p:nvCxnSpPr>
         <p:spPr>
           <a:xfrm>
-            <a:off x="2156270" y="431800"/>
+            <a:off x="2892870" y="431800"/>
             <a:ext cx="0" cy="1638657"/>
           </a:xfrm>
           <a:prstGeom prst="line">
@@ -3233,7 +3233,7 @@
         </p:nvCxnSpPr>
         <p:spPr>
           <a:xfrm>
-            <a:off x="5210198" y="2361066"/>
+            <a:off x="5946798" y="2361066"/>
             <a:ext cx="0" cy="835317"/>
           </a:xfrm>
           <a:prstGeom prst="line">
@@ -3276,7 +3276,7 @@
         </p:nvCxnSpPr>
         <p:spPr>
           <a:xfrm>
-            <a:off x="5210198" y="431800"/>
+            <a:off x="5946798" y="431800"/>
             <a:ext cx="0" cy="1929615"/>
           </a:xfrm>
           <a:prstGeom prst="line">
@@ -3321,7 +3321,7 @@
         </p:nvCxnSpPr>
         <p:spPr>
           <a:xfrm>
-            <a:off x="8166543" y="2777626"/>
+            <a:off x="8903143" y="2777626"/>
             <a:ext cx="0" cy="418757"/>
           </a:xfrm>
           <a:prstGeom prst="line">
@@ -3364,7 +3364,7 @@
         </p:nvCxnSpPr>
         <p:spPr>
           <a:xfrm>
-            <a:off x="8162242" y="431800"/>
+            <a:off x="8898842" y="431800"/>
             <a:ext cx="0" cy="2346175"/>
           </a:xfrm>
           <a:prstGeom prst="line">
@@ -3407,7 +3407,7 @@
         </p:nvSpPr>
         <p:spPr>
           <a:xfrm>
-            <a:off x="5000834" y="97608"/>
+            <a:off x="5737434" y="97608"/>
             <a:ext cx="467360" cy="369332"/>
           </a:xfrm>
           <a:prstGeom prst="rect">
@@ -3443,7 +3443,7 @@
         </p:nvSpPr>
         <p:spPr>
           <a:xfrm>
-            <a:off x="8000719" y="120930"/>
+            <a:off x="8737319" y="120930"/>
             <a:ext cx="467360" cy="369332"/>
           </a:xfrm>
           <a:prstGeom prst="rect">
@@ -3481,7 +3481,7 @@
         </p:nvCxnSpPr>
         <p:spPr>
           <a:xfrm>
-            <a:off x="855129" y="440610"/>
+            <a:off x="1591729" y="440610"/>
             <a:ext cx="8530171" cy="0"/>
           </a:xfrm>
           <a:prstGeom prst="line">
@@ -3520,7 +3520,7 @@
         </p:nvSpPr>
         <p:spPr>
           <a:xfrm>
-            <a:off x="1138001" y="2151440"/>
+            <a:off x="1874601" y="2151440"/>
             <a:ext cx="1499922" cy="646331"/>
           </a:xfrm>
           <a:prstGeom prst="rect">
@@ -3560,7 +3560,7 @@
         </p:nvSpPr>
         <p:spPr>
           <a:xfrm>
-            <a:off x="719665" y="534170"/>
+            <a:off x="1456265" y="534170"/>
             <a:ext cx="3017994" cy="646331"/>
           </a:xfrm>
           <a:prstGeom prst="rect">
@@ -3606,7 +3606,7 @@
         </p:nvSpPr>
         <p:spPr>
           <a:xfrm>
-            <a:off x="3819324" y="1367287"/>
+            <a:off x="4555924" y="1367287"/>
             <a:ext cx="3100551" cy="646331"/>
           </a:xfrm>
           <a:prstGeom prst="rect">
@@ -3646,7 +3646,7 @@
         </p:nvSpPr>
         <p:spPr>
           <a:xfrm>
-            <a:off x="6708770" y="587311"/>
+            <a:off x="7445370" y="587311"/>
             <a:ext cx="3100551" cy="646331"/>
           </a:xfrm>
           <a:prstGeom prst="rect">
@@ -3686,7 +3686,7 @@
         </p:nvSpPr>
         <p:spPr>
           <a:xfrm>
-            <a:off x="4460237" y="2474605"/>
+            <a:off x="5196837" y="2474605"/>
             <a:ext cx="1499922" cy="646331"/>
           </a:xfrm>
           <a:prstGeom prst="rect">
@@ -3726,7 +3726,7 @@
         </p:nvSpPr>
         <p:spPr>
           <a:xfrm>
-            <a:off x="7412281" y="2679187"/>
+            <a:off x="8148881" y="2679187"/>
             <a:ext cx="1499922" cy="646331"/>
           </a:xfrm>
           <a:prstGeom prst="rect">
@@ -3768,7 +3768,7 @@
         </p:nvCxnSpPr>
         <p:spPr>
           <a:xfrm flipV="1">
-            <a:off x="855129" y="2070457"/>
+            <a:off x="1591729" y="2070457"/>
             <a:ext cx="2523071" cy="14098"/>
           </a:xfrm>
           <a:prstGeom prst="line">
@@ -3809,7 +3809,7 @@
         </p:nvCxnSpPr>
         <p:spPr>
           <a:xfrm>
-            <a:off x="3819324" y="2341311"/>
+            <a:off x="4555924" y="2341311"/>
             <a:ext cx="2819464" cy="6499"/>
           </a:xfrm>
           <a:prstGeom prst="line">
@@ -3850,7 +3850,7 @@
         </p:nvCxnSpPr>
         <p:spPr>
           <a:xfrm>
-            <a:off x="6708770" y="2774376"/>
+            <a:off x="7445370" y="2774376"/>
             <a:ext cx="2819464" cy="6499"/>
           </a:xfrm>
           <a:prstGeom prst="line">
@@ -3889,7 +3889,7 @@
         </p:nvSpPr>
         <p:spPr>
           <a:xfrm>
-            <a:off x="533935" y="244174"/>
+            <a:off x="1270535" y="244174"/>
             <a:ext cx="467360" cy="369332"/>
           </a:xfrm>
           <a:prstGeom prst="rect">
@@ -3925,7 +3925,7 @@
         </p:nvSpPr>
         <p:spPr>
           <a:xfrm>
-            <a:off x="494001" y="1892840"/>
+            <a:off x="1230601" y="1892840"/>
             <a:ext cx="467360" cy="369332"/>
           </a:xfrm>
           <a:prstGeom prst="rect">
@@ -3961,7 +3961,7 @@
         </p:nvSpPr>
         <p:spPr>
           <a:xfrm>
-            <a:off x="3464934" y="2176400"/>
+            <a:off x="4201534" y="2176400"/>
             <a:ext cx="467360" cy="369332"/>
           </a:xfrm>
           <a:prstGeom prst="rect">
@@ -3997,7 +3997,7 @@
         </p:nvSpPr>
         <p:spPr>
           <a:xfrm>
-            <a:off x="6428641" y="2576922"/>
+            <a:off x="7165241" y="2576922"/>
             <a:ext cx="467360" cy="369332"/>
           </a:xfrm>
           <a:prstGeom prst="rect">
@@ -4014,6 +4014,119 @@
             <a:r>
               <a:rPr kumimoji="1" lang="en-US" altLang="zh-CN" dirty="0"/>
               <a:t>b3</a:t>
+            </a:r>
+            <a:endParaRPr kumimoji="1" lang="zh-CN" altLang="en-US" dirty="0"/>
+          </a:p>
+        </p:txBody>
+      </p:sp>
+      <p:sp>
+        <p:nvSpPr>
+          <p:cNvPr id="60" name="文本框 59">
+            <a:extLst>
+              <a:ext uri="{FF2B5EF4-FFF2-40B4-BE49-F238E27FC236}">
+                <a16:creationId xmlns:a16="http://schemas.microsoft.com/office/drawing/2014/main" id="{AA358301-E9D7-F94C-8A3D-26E7FA2E8D48}"/>
+              </a:ext>
+            </a:extLst>
+          </p:cNvPr>
+          <p:cNvSpPr txBox="1"/>
+          <p:nvPr/>
+        </p:nvSpPr>
+        <p:spPr>
+          <a:xfrm>
+            <a:off x="2731582" y="36139"/>
+            <a:ext cx="467360" cy="369332"/>
+          </a:xfrm>
+          <a:prstGeom prst="rect">
+            <a:avLst/>
+          </a:prstGeom>
+          <a:noFill/>
+        </p:spPr>
+        <p:txBody>
+          <a:bodyPr wrap="square" rtlCol="0">
+            <a:spAutoFit/>
+          </a:bodyPr>
+          <a:lstStyle/>
+          <a:p>
+            <a:r>
+              <a:rPr kumimoji="1" lang="en-US" altLang="zh-CN" dirty="0"/>
+              <a:t>a1</a:t>
+            </a:r>
+            <a:endParaRPr kumimoji="1" lang="zh-CN" altLang="en-US" dirty="0"/>
+          </a:p>
+        </p:txBody>
+      </p:sp>
+      <p:cxnSp>
+        <p:nvCxnSpPr>
+          <p:cNvPr id="16" name="直线箭头连接符 15">
+            <a:extLst>
+              <a:ext uri="{FF2B5EF4-FFF2-40B4-BE49-F238E27FC236}">
+                <a16:creationId xmlns:a16="http://schemas.microsoft.com/office/drawing/2014/main" id="{226592C0-5E1A-3A46-9C87-E2FFA7B6B951}"/>
+              </a:ext>
+            </a:extLst>
+          </p:cNvPr>
+          <p:cNvCxnSpPr>
+            <a:cxnSpLocks/>
+          </p:cNvCxnSpPr>
+          <p:nvPr/>
+        </p:nvCxnSpPr>
+        <p:spPr>
+          <a:xfrm flipH="1" flipV="1">
+            <a:off x="682005" y="386506"/>
+            <a:ext cx="13862" cy="2704730"/>
+          </a:xfrm>
+          <a:prstGeom prst="straightConnector1">
+            <a:avLst/>
+          </a:prstGeom>
+          <a:ln>
+            <a:tailEnd type="triangle"/>
+          </a:ln>
+        </p:spPr>
+        <p:style>
+          <a:lnRef idx="1">
+            <a:schemeClr val="accent1"/>
+          </a:lnRef>
+          <a:fillRef idx="0">
+            <a:schemeClr val="accent1"/>
+          </a:fillRef>
+          <a:effectRef idx="0">
+            <a:schemeClr val="accent1"/>
+          </a:effectRef>
+          <a:fontRef idx="minor">
+            <a:schemeClr val="tx1"/>
+          </a:fontRef>
+        </p:style>
+      </p:cxnSp>
+      <p:sp>
+        <p:nvSpPr>
+          <p:cNvPr id="61" name="文本框 60">
+            <a:extLst>
+              <a:ext uri="{FF2B5EF4-FFF2-40B4-BE49-F238E27FC236}">
+                <a16:creationId xmlns:a16="http://schemas.microsoft.com/office/drawing/2014/main" id="{CAF69F01-2F06-2948-A6C1-3647221650C0}"/>
+              </a:ext>
+            </a:extLst>
+          </p:cNvPr>
+          <p:cNvSpPr txBox="1"/>
+          <p:nvPr/>
+        </p:nvSpPr>
+        <p:spPr>
+          <a:xfrm>
+            <a:off x="227864" y="3092787"/>
+            <a:ext cx="1758929" cy="369332"/>
+          </a:xfrm>
+          <a:prstGeom prst="rect">
+            <a:avLst/>
+          </a:prstGeom>
+          <a:noFill/>
+        </p:spPr>
+        <p:txBody>
+          <a:bodyPr wrap="square" rtlCol="0">
+            <a:spAutoFit/>
+          </a:bodyPr>
+          <a:lstStyle/>
+          <a:p>
+            <a:r>
+              <a:rPr kumimoji="1" lang="en-US" altLang="zh-CN" dirty="0"/>
+              <a:t>Ballot Number</a:t>
             </a:r>
             <a:endParaRPr kumimoji="1" lang="zh-CN" altLang="en-US" dirty="0"/>
           </a:p>
